--- a/crawlingコード解説.pptx
+++ b/crawlingコード解説.pptx
@@ -5,10 +5,10 @@
     <p:sldMasterId id="2147483648" r:id="rId1"/>
   </p:sldMasterIdLst>
   <p:notesMasterIdLst>
-    <p:notesMasterId r:id="rId12"/>
+    <p:notesMasterId r:id="rId18"/>
   </p:notesMasterIdLst>
   <p:handoutMasterIdLst>
-    <p:handoutMasterId r:id="rId13"/>
+    <p:handoutMasterId r:id="rId19"/>
   </p:handoutMasterIdLst>
   <p:sldIdLst>
     <p:sldId id="256" r:id="rId2"/>
@@ -21,6 +21,12 @@
     <p:sldId id="264" r:id="rId9"/>
     <p:sldId id="262" r:id="rId10"/>
     <p:sldId id="263" r:id="rId11"/>
+    <p:sldId id="266" r:id="rId12"/>
+    <p:sldId id="267" r:id="rId13"/>
+    <p:sldId id="268" r:id="rId14"/>
+    <p:sldId id="269" r:id="rId15"/>
+    <p:sldId id="270" r:id="rId16"/>
+    <p:sldId id="271" r:id="rId17"/>
   </p:sldIdLst>
   <p:sldSz cx="12192000" cy="6858000"/>
   <p:notesSz cx="6858000" cy="9144000"/>
@@ -228,7 +234,7 @@
               <a:rPr lang="ko-KR" altLang="en-US" smtClean="0">
                 <a:latin typeface="+mj-lt"/>
               </a:rPr>
-              <a:t>2022-03-07</a:t>
+              <a:t>2022-03-08</a:t>
             </a:fld>
             <a:endParaRPr lang="ko-KR" altLang="en-US">
               <a:latin typeface="+mj-lt"/>
@@ -421,7 +427,7 @@
             <a:fld id="{DBD45B77-1E54-4BDE-8546-93F23ED6C41D}" type="datetime1">
               <a:rPr lang="ko-KR" altLang="en-US" smtClean="0"/>
               <a:pPr/>
-              <a:t>2022-03-07</a:t>
+              <a:t>2022-03-08</a:t>
             </a:fld>
             <a:endParaRPr lang="ko-KR" altLang="en-US" dirty="0">
               <a:latin typeface="+mj-lt"/>
@@ -986,7 +992,7 @@
             <a:fld id="{B61BEF0D-F0BB-DE4B-95CE-6DB70DBA9567}" type="datetimeFigureOut">
               <a:rPr lang="en-US" altLang="ko-KR" noProof="0" smtClean="0"/>
               <a:pPr rtl="0"/>
-              <a:t>3/7/2022</a:t>
+              <a:t>3/8/2022</a:t>
             </a:fld>
             <a:endParaRPr lang="ko-KR" altLang="en-US" noProof="0"/>
           </a:p>
@@ -1328,7 +1334,7 @@
             <a:fld id="{B61BEF0D-F0BB-DE4B-95CE-6DB70DBA9567}" type="datetimeFigureOut">
               <a:rPr lang="en-US" altLang="ko-KR" noProof="0" smtClean="0"/>
               <a:pPr rtl="0"/>
-              <a:t>3/7/2022</a:t>
+              <a:t>3/8/2022</a:t>
             </a:fld>
             <a:endParaRPr lang="ko-KR" altLang="en-US" noProof="0"/>
           </a:p>
@@ -1750,7 +1756,7 @@
             <a:fld id="{B61BEF0D-F0BB-DE4B-95CE-6DB70DBA9567}" type="datetimeFigureOut">
               <a:rPr lang="en-US" altLang="ko-KR" smtClean="0"/>
               <a:pPr/>
-              <a:t>3/7/2022</a:t>
+              <a:t>3/8/2022</a:t>
             </a:fld>
             <a:endParaRPr lang="ko-KR" altLang="en-US"/>
           </a:p>
@@ -2104,7 +2110,7 @@
             <a:fld id="{B61BEF0D-F0BB-DE4B-95CE-6DB70DBA9567}" type="datetimeFigureOut">
               <a:rPr lang="en-US" altLang="ko-KR" noProof="0" smtClean="0"/>
               <a:pPr rtl="0"/>
-              <a:t>3/7/2022</a:t>
+              <a:t>3/8/2022</a:t>
             </a:fld>
             <a:endParaRPr lang="ko-KR" altLang="en-US" noProof="0"/>
           </a:p>
@@ -2445,7 +2451,7 @@
             <a:fld id="{B61BEF0D-F0BB-DE4B-95CE-6DB70DBA9567}" type="datetimeFigureOut">
               <a:rPr lang="en-US" altLang="ko-KR" smtClean="0"/>
               <a:pPr/>
-              <a:t>3/7/2022</a:t>
+              <a:t>3/8/2022</a:t>
             </a:fld>
             <a:endParaRPr lang="ko-KR" altLang="en-US"/>
           </a:p>
@@ -2863,7 +2869,7 @@
             <a:fld id="{B61BEF0D-F0BB-DE4B-95CE-6DB70DBA9567}" type="datetimeFigureOut">
               <a:rPr lang="en-US" altLang="ko-KR" noProof="0" smtClean="0"/>
               <a:pPr rtl="0"/>
-              <a:t>3/7/2022</a:t>
+              <a:t>3/8/2022</a:t>
             </a:fld>
             <a:endParaRPr lang="ko-KR" altLang="en-US" noProof="0"/>
           </a:p>
@@ -3123,7 +3129,7 @@
             <a:fld id="{B61BEF0D-F0BB-DE4B-95CE-6DB70DBA9567}" type="datetimeFigureOut">
               <a:rPr lang="en-US" altLang="ko-KR" noProof="0" smtClean="0"/>
               <a:pPr rtl="0"/>
-              <a:t>3/7/2022</a:t>
+              <a:t>3/8/2022</a:t>
             </a:fld>
             <a:endParaRPr lang="ko-KR" altLang="en-US" noProof="0"/>
           </a:p>
@@ -3388,7 +3394,7 @@
             <a:fld id="{B61BEF0D-F0BB-DE4B-95CE-6DB70DBA9567}" type="datetimeFigureOut">
               <a:rPr lang="en-US" altLang="ko-KR" noProof="0" smtClean="0"/>
               <a:pPr rtl="0"/>
-              <a:t>3/7/2022</a:t>
+              <a:t>3/8/2022</a:t>
             </a:fld>
             <a:endParaRPr lang="ko-KR" altLang="en-US" noProof="0"/>
           </a:p>
@@ -3653,7 +3659,7 @@
             <a:fld id="{B61BEF0D-F0BB-DE4B-95CE-6DB70DBA9567}" type="datetimeFigureOut">
               <a:rPr lang="en-US" altLang="ko-KR" noProof="0" smtClean="0"/>
               <a:pPr rtl="0"/>
-              <a:t>3/7/2022</a:t>
+              <a:t>3/8/2022</a:t>
             </a:fld>
             <a:endParaRPr lang="ko-KR" altLang="en-US" noProof="0"/>
           </a:p>
@@ -3986,7 +3992,7 @@
             <a:fld id="{B61BEF0D-F0BB-DE4B-95CE-6DB70DBA9567}" type="datetimeFigureOut">
               <a:rPr lang="en-US" altLang="ko-KR" noProof="0" smtClean="0"/>
               <a:pPr rtl="0"/>
-              <a:t>3/7/2022</a:t>
+              <a:t>3/8/2022</a:t>
             </a:fld>
             <a:endParaRPr lang="ko-KR" altLang="en-US" noProof="0"/>
           </a:p>
@@ -4315,7 +4321,7 @@
             <a:fld id="{B61BEF0D-F0BB-DE4B-95CE-6DB70DBA9567}" type="datetimeFigureOut">
               <a:rPr lang="en-US" altLang="ko-KR" noProof="0" smtClean="0"/>
               <a:pPr rtl="0"/>
-              <a:t>3/7/2022</a:t>
+              <a:t>3/8/2022</a:t>
             </a:fld>
             <a:endParaRPr lang="ko-KR" altLang="en-US" noProof="0"/>
           </a:p>
@@ -4786,7 +4792,7 @@
             <a:fld id="{B61BEF0D-F0BB-DE4B-95CE-6DB70DBA9567}" type="datetimeFigureOut">
               <a:rPr lang="en-US" altLang="ko-KR" noProof="0" smtClean="0"/>
               <a:pPr rtl="0"/>
-              <a:t>3/7/2022</a:t>
+              <a:t>3/8/2022</a:t>
             </a:fld>
             <a:endParaRPr lang="ko-KR" altLang="en-US" noProof="0"/>
           </a:p>
@@ -4991,7 +4997,7 @@
             <a:fld id="{B61BEF0D-F0BB-DE4B-95CE-6DB70DBA9567}" type="datetimeFigureOut">
               <a:rPr lang="en-US" altLang="ko-KR" noProof="0" smtClean="0"/>
               <a:pPr rtl="0"/>
-              <a:t>3/7/2022</a:t>
+              <a:t>3/8/2022</a:t>
             </a:fld>
             <a:endParaRPr lang="ko-KR" altLang="en-US" noProof="0"/>
           </a:p>
@@ -5168,7 +5174,7 @@
             <a:fld id="{B61BEF0D-F0BB-DE4B-95CE-6DB70DBA9567}" type="datetimeFigureOut">
               <a:rPr lang="en-US" altLang="ko-KR" noProof="0" smtClean="0"/>
               <a:pPr rtl="0"/>
-              <a:t>3/7/2022</a:t>
+              <a:t>3/8/2022</a:t>
             </a:fld>
             <a:endParaRPr lang="ko-KR" altLang="en-US" noProof="0"/>
           </a:p>
@@ -5508,7 +5514,7 @@
             <a:fld id="{B61BEF0D-F0BB-DE4B-95CE-6DB70DBA9567}" type="datetimeFigureOut">
               <a:rPr lang="en-US" altLang="ko-KR" noProof="0" smtClean="0"/>
               <a:pPr rtl="0"/>
-              <a:t>3/7/2022</a:t>
+              <a:t>3/8/2022</a:t>
             </a:fld>
             <a:endParaRPr lang="ko-KR" altLang="en-US" noProof="0"/>
           </a:p>
@@ -5862,7 +5868,7 @@
             <a:fld id="{B61BEF0D-F0BB-DE4B-95CE-6DB70DBA9567}" type="datetimeFigureOut">
               <a:rPr lang="en-US" altLang="ko-KR" noProof="0" smtClean="0"/>
               <a:pPr rtl="0"/>
-              <a:t>3/7/2022</a:t>
+              <a:t>3/8/2022</a:t>
             </a:fld>
             <a:endParaRPr lang="ko-KR" altLang="en-US" noProof="0"/>
           </a:p>
@@ -7983,7 +7989,7 @@
             <a:fld id="{B61BEF0D-F0BB-DE4B-95CE-6DB70DBA9567}" type="datetimeFigureOut">
               <a:rPr lang="en-US" altLang="ko-KR" smtClean="0"/>
               <a:pPr/>
-              <a:t>3/7/2022</a:t>
+              <a:t>3/8/2022</a:t>
             </a:fld>
             <a:endParaRPr lang="ko-KR" altLang="en-US">
               <a:latin typeface="맑은 고딕" panose="020B0503020000020004" pitchFamily="50" charset="-127"/>
@@ -8577,7 +8583,7 @@
             <a:pPr algn="r"/>
             <a:r>
               <a:rPr lang="ja-JP" altLang="en-US" dirty="0"/>
-              <a:t>千尙祐</a:t>
+              <a:t>千 尙祐</a:t>
             </a:r>
             <a:r>
               <a:rPr lang="en-US" altLang="ja-JP" dirty="0"/>
@@ -8585,7 +8591,7 @@
             </a:r>
             <a:r>
               <a:rPr lang="ja-JP" altLang="en-US" dirty="0"/>
-              <a:t>チョンサンウ　</a:t>
+              <a:t>チョン サンウ　</a:t>
             </a:r>
             <a:r>
               <a:rPr lang="en-US" altLang="ja-JP" dirty="0"/>
@@ -8652,7 +8658,7 @@
         </p:blipFill>
         <p:spPr>
           <a:xfrm>
-            <a:off x="2589212" y="718179"/>
+            <a:off x="2703512" y="1205859"/>
             <a:ext cx="8414480" cy="2933243"/>
           </a:xfrm>
         </p:spPr>
@@ -8690,6 +8696,20 @@
               <a:t>コードの解説</a:t>
             </a:r>
             <a:br>
+              <a:rPr lang="en-US" altLang="ja-JP" dirty="0"/>
+            </a:br>
+            <a:br>
+              <a:rPr lang="en-US" altLang="ja-JP" sz="600" dirty="0"/>
+            </a:br>
+            <a:r>
+              <a:rPr lang="en-US" altLang="ja-JP" dirty="0"/>
+              <a:t>3. checking</a:t>
+            </a:r>
+            <a:r>
+              <a:rPr lang="ja-JP" altLang="en-US" dirty="0"/>
+              <a:t>関数</a:t>
+            </a:r>
+            <a:br>
               <a:rPr lang="ko-KR" altLang="en-US" dirty="0"/>
             </a:br>
             <a:endParaRPr lang="ko-KR" altLang="en-US" dirty="0"/>
@@ -8710,8 +8730,8 @@
         </p:nvSpPr>
         <p:spPr>
           <a:xfrm>
-            <a:off x="2589212" y="3651422"/>
-            <a:ext cx="8414480" cy="1902059"/>
+            <a:off x="2597244" y="4055282"/>
+            <a:ext cx="8414480" cy="2756909"/>
           </a:xfrm>
           <a:prstGeom prst="rect">
             <a:avLst/>
@@ -8726,7 +8746,7 @@
           <a:p>
             <a:pPr marL="342900" indent="-342900">
               <a:lnSpc>
-                <a:spcPct val="120000"/>
+                <a:spcPct val="130000"/>
               </a:lnSpc>
               <a:buAutoNum type="arabicPeriod"/>
             </a:pPr>
@@ -8817,15 +8837,15 @@
             </a:r>
             <a:r>
               <a:rPr lang="ja-JP" altLang="en-US" sz="1400" dirty="0"/>
-              <a:t>しる</a:t>
-            </a:r>
-            <a:br>
-              <a:rPr lang="en-US" altLang="ja-JP" sz="1400" dirty="0"/>
-            </a:br>
+              <a:t>した結果を保存</a:t>
+            </a:r>
             <a:endParaRPr lang="en-US" altLang="ja-JP" sz="500" dirty="0"/>
           </a:p>
           <a:p>
             <a:pPr marL="342900" indent="-342900">
+              <a:lnSpc>
+                <a:spcPct val="130000"/>
+              </a:lnSpc>
               <a:buAutoNum type="arabicPeriod"/>
             </a:pPr>
             <a:r>
@@ -8836,10 +8856,131 @@
               <a:rPr lang="en-US" altLang="ja-JP" dirty="0"/>
             </a:br>
             <a:r>
-              <a:rPr lang="en-US" altLang="ja-JP" dirty="0"/>
-              <a:t>- </a:t>
-            </a:r>
-            <a:endParaRPr lang="en-US" altLang="ko-KR" dirty="0"/>
+              <a:rPr lang="en-US" altLang="ja-JP" sz="1400" dirty="0"/>
+              <a:t>1) </a:t>
+            </a:r>
+            <a:r>
+              <a:rPr lang="en-US" altLang="ja-JP" sz="1400" dirty="0" err="1"/>
+              <a:t>kabuname</a:t>
+            </a:r>
+            <a:r>
+              <a:rPr lang="ja-JP" altLang="en-US" sz="1400" dirty="0"/>
+              <a:t>を検査して文字列に特殊文字が含まれていたら</a:t>
+            </a:r>
+            <a:r>
+              <a:rPr lang="en-US" altLang="ja-JP" sz="1400" dirty="0"/>
+              <a:t>True</a:t>
+            </a:r>
+            <a:r>
+              <a:rPr lang="ja-JP" altLang="en-US" sz="1400" dirty="0"/>
+              <a:t>を返還して</a:t>
+            </a:r>
+            <a:r>
+              <a:rPr lang="en-US" altLang="ja-JP" sz="1400" dirty="0"/>
+              <a:t>if</a:t>
+            </a:r>
+            <a:r>
+              <a:rPr lang="ja-JP" altLang="en-US" sz="1400" dirty="0"/>
+              <a:t>文に進んで</a:t>
+            </a:r>
+            <a:r>
+              <a:rPr lang="en-US" altLang="ja-JP" sz="1400" dirty="0"/>
+              <a:t>log</a:t>
+            </a:r>
+            <a:r>
+              <a:rPr lang="ja-JP" altLang="en-US" sz="1400" dirty="0"/>
+              <a:t>作成、</a:t>
+            </a:r>
+            <a:br>
+              <a:rPr lang="en-US" altLang="ja-JP" sz="1400" dirty="0"/>
+            </a:br>
+            <a:r>
+              <a:rPr lang="ja-JP" altLang="en-US" sz="1400" dirty="0"/>
+              <a:t>    </a:t>
+            </a:r>
+            <a:r>
+              <a:rPr lang="en-US" altLang="ja-JP" sz="1400" dirty="0"/>
+              <a:t>program</a:t>
+            </a:r>
+            <a:r>
+              <a:rPr lang="ja-JP" altLang="en-US" sz="1400" dirty="0"/>
+              <a:t>を終了。</a:t>
+            </a:r>
+            <a:br>
+              <a:rPr lang="en-US" altLang="ja-JP" sz="1400" dirty="0"/>
+            </a:br>
+            <a:r>
+              <a:rPr lang="en-US" altLang="ja-JP" sz="1400" dirty="0"/>
+              <a:t>2) </a:t>
+            </a:r>
+            <a:r>
+              <a:rPr lang="en-US" altLang="ja-JP" sz="1400" dirty="0" err="1"/>
+              <a:t>date_compiler</a:t>
+            </a:r>
+            <a:r>
+              <a:rPr lang="ja-JP" altLang="en-US" sz="1400" dirty="0"/>
+              <a:t>と</a:t>
+            </a:r>
+            <a:r>
+              <a:rPr lang="en-US" altLang="ja-JP" sz="1400" dirty="0"/>
+              <a:t>days</a:t>
+            </a:r>
+            <a:r>
+              <a:rPr lang="ja-JP" altLang="en-US" sz="1400" dirty="0"/>
+              <a:t>を</a:t>
+            </a:r>
+            <a:r>
+              <a:rPr lang="en-US" altLang="ja-JP" sz="1400" dirty="0"/>
+              <a:t>match</a:t>
+            </a:r>
+            <a:r>
+              <a:rPr lang="ja-JP" altLang="en-US" sz="1400" dirty="0"/>
+              <a:t>して合わなかったら</a:t>
+            </a:r>
+            <a:r>
+              <a:rPr lang="en-US" altLang="ja-JP" sz="1400" dirty="0"/>
+              <a:t>if</a:t>
+            </a:r>
+            <a:r>
+              <a:rPr lang="ja-JP" altLang="en-US" sz="1400" dirty="0"/>
+              <a:t>に進んで</a:t>
+            </a:r>
+            <a:r>
+              <a:rPr lang="en-US" altLang="ja-JP" sz="1400" dirty="0"/>
+              <a:t>log</a:t>
+            </a:r>
+            <a:r>
+              <a:rPr lang="ja-JP" altLang="en-US" sz="1400" dirty="0"/>
+              <a:t>作成、</a:t>
+            </a:r>
+            <a:r>
+              <a:rPr lang="en-US" altLang="ja-JP" sz="1400" dirty="0"/>
+              <a:t>program</a:t>
+            </a:r>
+            <a:r>
+              <a:rPr lang="ja-JP" altLang="en-US" sz="1400" dirty="0"/>
+              <a:t>を終了。</a:t>
+            </a:r>
+            <a:br>
+              <a:rPr lang="en-US" altLang="ja-JP" sz="1400" dirty="0"/>
+            </a:br>
+            <a:r>
+              <a:rPr lang="en-US" altLang="ja-JP" sz="1400" dirty="0"/>
+              <a:t>3) </a:t>
+            </a:r>
+            <a:r>
+              <a:rPr lang="ja-JP" altLang="en-US" sz="1400" dirty="0"/>
+              <a:t>両方異常なかったら</a:t>
+            </a:r>
+            <a:r>
+              <a:rPr lang="en-US" altLang="ja-JP" sz="1400" dirty="0"/>
+              <a:t>log</a:t>
+            </a:r>
+            <a:r>
+              <a:rPr lang="ja-JP" altLang="en-US" sz="1400" dirty="0"/>
+              <a:t>記録後関数終了。</a:t>
+            </a:r>
+            <a:endParaRPr lang="en-US" altLang="ja-JP" sz="1400" dirty="0"/>
           </a:p>
         </p:txBody>
       </p:sp>
@@ -8847,6 +8988,2341 @@
     <p:extLst>
       <p:ext uri="{BB962C8B-B14F-4D97-AF65-F5344CB8AC3E}">
         <p14:creationId xmlns:p14="http://schemas.microsoft.com/office/powerpoint/2010/main" val="1606006970"/>
+      </p:ext>
+    </p:extLst>
+  </p:cSld>
+  <p:clrMapOvr>
+    <a:masterClrMapping/>
+  </p:clrMapOvr>
+</p:sld>
+</file>
+
+<file path=ppt/slides/slide11.xml><?xml version="1.0" encoding="utf-8"?>
+<p:sld xmlns:a="http://schemas.openxmlformats.org/drawingml/2006/main" xmlns:r="http://schemas.openxmlformats.org/officeDocument/2006/relationships" xmlns:p="http://schemas.openxmlformats.org/presentationml/2006/main">
+  <p:cSld>
+    <p:spTree>
+      <p:nvGrpSpPr>
+        <p:cNvPr id="1" name=""/>
+        <p:cNvGrpSpPr/>
+        <p:nvPr/>
+      </p:nvGrpSpPr>
+      <p:grpSpPr>
+        <a:xfrm>
+          <a:off x="0" y="0"/>
+          <a:ext cx="0" cy="0"/>
+          <a:chOff x="0" y="0"/>
+          <a:chExt cx="0" cy="0"/>
+        </a:xfrm>
+      </p:grpSpPr>
+      <p:pic>
+        <p:nvPicPr>
+          <p:cNvPr id="6" name="내용 개체 틀 5">
+            <a:extLst>
+              <a:ext uri="{FF2B5EF4-FFF2-40B4-BE49-F238E27FC236}">
+                <a16:creationId xmlns:a16="http://schemas.microsoft.com/office/drawing/2014/main" id="{A57940F5-1189-400F-88D6-1DF4EAA7CF76}"/>
+              </a:ext>
+            </a:extLst>
+          </p:cNvPr>
+          <p:cNvPicPr>
+            <a:picLocks noGrp="1" noChangeAspect="1"/>
+          </p:cNvPicPr>
+          <p:nvPr>
+            <p:ph idx="1"/>
+          </p:nvPr>
+        </p:nvPicPr>
+        <p:blipFill>
+          <a:blip r:embed="rId2"/>
+          <a:stretch>
+            <a:fillRect/>
+          </a:stretch>
+        </p:blipFill>
+        <p:spPr>
+          <a:xfrm>
+            <a:off x="2597244" y="1190619"/>
+            <a:ext cx="8414480" cy="2703201"/>
+          </a:xfrm>
+        </p:spPr>
+      </p:pic>
+      <p:sp>
+        <p:nvSpPr>
+          <p:cNvPr id="4" name="제목 1">
+            <a:extLst>
+              <a:ext uri="{FF2B5EF4-FFF2-40B4-BE49-F238E27FC236}">
+                <a16:creationId xmlns:a16="http://schemas.microsoft.com/office/drawing/2014/main" id="{B89B897F-006E-4B07-82C5-3143458027F4}"/>
+              </a:ext>
+            </a:extLst>
+          </p:cNvPr>
+          <p:cNvSpPr>
+            <a:spLocks noGrp="1"/>
+          </p:cNvSpPr>
+          <p:nvPr>
+            <p:ph type="title"/>
+          </p:nvPr>
+        </p:nvSpPr>
+        <p:spPr>
+          <a:xfrm>
+            <a:off x="2589212" y="88079"/>
+            <a:ext cx="8911687" cy="630101"/>
+          </a:xfrm>
+        </p:spPr>
+        <p:txBody>
+          <a:bodyPr>
+            <a:normAutofit fontScale="90000"/>
+          </a:bodyPr>
+          <a:lstStyle/>
+          <a:p>
+            <a:r>
+              <a:rPr lang="ja-JP" altLang="en-US" dirty="0"/>
+              <a:t>コードの解説</a:t>
+            </a:r>
+            <a:br>
+              <a:rPr lang="en-US" altLang="ja-JP" dirty="0"/>
+            </a:br>
+            <a:br>
+              <a:rPr lang="en-US" altLang="ja-JP" sz="600" dirty="0"/>
+            </a:br>
+            <a:r>
+              <a:rPr lang="en-US" altLang="ja-JP" dirty="0"/>
+              <a:t>4. </a:t>
+            </a:r>
+            <a:r>
+              <a:rPr lang="en-US" altLang="ja-JP" dirty="0" err="1"/>
+              <a:t>FindDays</a:t>
+            </a:r>
+            <a:r>
+              <a:rPr lang="ja-JP" altLang="en-US" dirty="0"/>
+              <a:t>関数</a:t>
+            </a:r>
+            <a:br>
+              <a:rPr lang="ko-KR" altLang="en-US" dirty="0"/>
+            </a:br>
+            <a:endParaRPr lang="ko-KR" altLang="en-US" dirty="0"/>
+          </a:p>
+        </p:txBody>
+      </p:sp>
+      <p:sp>
+        <p:nvSpPr>
+          <p:cNvPr id="10" name="TextBox 9">
+            <a:extLst>
+              <a:ext uri="{FF2B5EF4-FFF2-40B4-BE49-F238E27FC236}">
+                <a16:creationId xmlns:a16="http://schemas.microsoft.com/office/drawing/2014/main" id="{E41D5249-7D6A-4054-86FC-17EC8AD6B8AA}"/>
+              </a:ext>
+            </a:extLst>
+          </p:cNvPr>
+          <p:cNvSpPr txBox="1"/>
+          <p:nvPr/>
+        </p:nvSpPr>
+        <p:spPr>
+          <a:xfrm>
+            <a:off x="2589212" y="3849910"/>
+            <a:ext cx="8414480" cy="3022943"/>
+          </a:xfrm>
+          <a:prstGeom prst="rect">
+            <a:avLst/>
+          </a:prstGeom>
+          <a:noFill/>
+        </p:spPr>
+        <p:txBody>
+          <a:bodyPr wrap="square" rtlCol="0">
+            <a:spAutoFit/>
+          </a:bodyPr>
+          <a:lstStyle/>
+          <a:p>
+            <a:pPr marL="342900" indent="-342900">
+              <a:lnSpc>
+                <a:spcPct val="130000"/>
+              </a:lnSpc>
+              <a:buAutoNum type="arabicPeriod"/>
+            </a:pPr>
+            <a:r>
+              <a:rPr lang="ja-JP" altLang="en-US" dirty="0"/>
+              <a:t>変数</a:t>
+            </a:r>
+            <a:br>
+              <a:rPr lang="en-US" altLang="ja-JP" dirty="0"/>
+            </a:br>
+            <a:r>
+              <a:rPr lang="en-US" altLang="ja-JP" sz="1400" dirty="0"/>
+              <a:t>- </a:t>
+            </a:r>
+            <a:r>
+              <a:rPr lang="en-US" altLang="ko-KR" sz="1400" dirty="0" err="1"/>
+              <a:t>fine_days</a:t>
+            </a:r>
+            <a:r>
+              <a:rPr lang="en-US" altLang="ko-KR" sz="1400" dirty="0"/>
+              <a:t> </a:t>
+            </a:r>
+            <a:r>
+              <a:rPr lang="en-US" altLang="ja-JP" sz="1400" dirty="0"/>
+              <a:t>: </a:t>
+            </a:r>
+            <a:r>
+              <a:rPr lang="ja-JP" altLang="en-US" sz="1400" dirty="0"/>
+              <a:t>探す日を保存する</a:t>
+            </a:r>
+            <a:r>
+              <a:rPr lang="en-US" altLang="ja-JP" sz="1400" dirty="0"/>
+              <a:t>list</a:t>
+            </a:r>
+            <a:br>
+              <a:rPr lang="en-US" altLang="ja-JP" sz="1400" dirty="0"/>
+            </a:br>
+            <a:r>
+              <a:rPr lang="en-US" altLang="ja-JP" sz="1400" dirty="0"/>
+              <a:t>- </a:t>
+            </a:r>
+            <a:r>
+              <a:rPr lang="en-US" altLang="ko-KR" sz="1400" dirty="0" err="1"/>
+              <a:t>list_date</a:t>
+            </a:r>
+            <a:r>
+              <a:rPr lang="en-US" altLang="ja-JP" sz="1400" dirty="0"/>
+              <a:t> : ’yyyy.mm.dd’ </a:t>
+            </a:r>
+            <a:r>
+              <a:rPr lang="ja-JP" altLang="en-US" sz="1400" dirty="0"/>
+              <a:t>を </a:t>
+            </a:r>
+            <a:r>
+              <a:rPr lang="en-US" altLang="ja-JP" sz="1400" dirty="0"/>
+              <a:t>‘</a:t>
+            </a:r>
+            <a:r>
+              <a:rPr lang="en-US" altLang="ja-JP" sz="1400" dirty="0" err="1"/>
+              <a:t>yyyy</a:t>
+            </a:r>
+            <a:r>
+              <a:rPr lang="en-US" altLang="ja-JP" sz="1400" dirty="0"/>
+              <a:t>’, ‘mm’, ‘dd’ </a:t>
+            </a:r>
+            <a:r>
+              <a:rPr lang="ja-JP" altLang="en-US" sz="1400" dirty="0"/>
+              <a:t>で分ける変数</a:t>
+            </a:r>
+            <a:br>
+              <a:rPr lang="en-US" altLang="ja-JP" sz="1400" dirty="0"/>
+            </a:br>
+            <a:r>
+              <a:rPr lang="en-US" altLang="ja-JP" sz="1400" dirty="0"/>
+              <a:t>- </a:t>
+            </a:r>
+            <a:r>
+              <a:rPr lang="en-US" altLang="ko-KR" sz="1400" dirty="0" err="1"/>
+              <a:t>temp_date</a:t>
+            </a:r>
+            <a:r>
+              <a:rPr lang="en-US" altLang="ja-JP" sz="1400" dirty="0"/>
+              <a:t> : </a:t>
+            </a:r>
+            <a:r>
+              <a:rPr lang="ja-JP" altLang="en-US" sz="1400" dirty="0"/>
+              <a:t>休日なのかを検査するための変数</a:t>
+            </a:r>
+            <a:br>
+              <a:rPr lang="en-US" altLang="ja-JP" sz="1400" dirty="0"/>
+            </a:br>
+            <a:r>
+              <a:rPr lang="en-US" altLang="ko-KR" sz="1400" dirty="0"/>
+              <a:t>- </a:t>
+            </a:r>
+            <a:r>
+              <a:rPr lang="en-US" altLang="ko-KR" sz="1400" dirty="0" err="1"/>
+              <a:t>weekendday</a:t>
+            </a:r>
+            <a:r>
+              <a:rPr lang="en-US" altLang="ko-KR" sz="1400" dirty="0"/>
+              <a:t> : </a:t>
+            </a:r>
+            <a:r>
+              <a:rPr lang="ja-JP" altLang="en-US" sz="1400" dirty="0"/>
+              <a:t>入力された日の曜日を確認する変数</a:t>
+            </a:r>
+            <a:br>
+              <a:rPr lang="en-US" altLang="ja-JP" sz="1400" dirty="0"/>
+            </a:br>
+            <a:r>
+              <a:rPr lang="en-US" altLang="ko-KR" sz="1400" dirty="0"/>
+              <a:t>- </a:t>
+            </a:r>
+            <a:r>
+              <a:rPr lang="en-US" altLang="ko-KR" sz="1400" dirty="0" err="1"/>
+              <a:t>str_Monday</a:t>
+            </a:r>
+            <a:r>
+              <a:rPr lang="en-US" altLang="ko-KR" sz="1400" dirty="0"/>
+              <a:t> : </a:t>
+            </a:r>
+            <a:r>
+              <a:rPr lang="ja-JP" altLang="en-US" sz="1400" dirty="0"/>
+              <a:t>公休日を検査するための変数</a:t>
+            </a:r>
+            <a:endParaRPr lang="en-US" altLang="ja-JP" sz="500" dirty="0"/>
+          </a:p>
+          <a:p>
+            <a:pPr marL="342900" indent="-342900">
+              <a:lnSpc>
+                <a:spcPct val="130000"/>
+              </a:lnSpc>
+              <a:buAutoNum type="arabicPeriod"/>
+            </a:pPr>
+            <a:r>
+              <a:rPr lang="ja-JP" altLang="en-US" dirty="0"/>
+              <a:t>コードの流れ</a:t>
+            </a:r>
+            <a:br>
+              <a:rPr lang="en-US" altLang="ja-JP" dirty="0"/>
+            </a:br>
+            <a:r>
+              <a:rPr lang="en-US" altLang="ja-JP" sz="1400" dirty="0"/>
+              <a:t>1)</a:t>
+            </a:r>
+            <a:r>
+              <a:rPr lang="ja-JP" altLang="en-US" sz="1400" dirty="0"/>
+              <a:t> </a:t>
+            </a:r>
+            <a:r>
+              <a:rPr lang="en-US" altLang="ja-JP" sz="1400" dirty="0"/>
+              <a:t>days</a:t>
+            </a:r>
+            <a:r>
+              <a:rPr lang="ja-JP" altLang="en-US" sz="1400" dirty="0"/>
+              <a:t>が公休日もしくは週末かを確認して週末なら金曜日に公休日ならその前の日に変換する。</a:t>
+            </a:r>
+            <a:br>
+              <a:rPr lang="en-US" altLang="ja-JP" sz="1400" dirty="0"/>
+            </a:br>
+            <a:r>
+              <a:rPr lang="en-US" altLang="ja-JP" sz="1400" dirty="0"/>
+              <a:t>2) if</a:t>
+            </a:r>
+            <a:r>
+              <a:rPr lang="ja-JP" altLang="en-US" sz="1400" dirty="0"/>
+              <a:t>は休日の時連休の可能性があるので二つ前の日まで指定する。平日の場合そのままにする。</a:t>
+            </a:r>
+            <a:br>
+              <a:rPr lang="en-US" altLang="ja-JP" sz="1400" dirty="0"/>
+            </a:br>
+            <a:r>
+              <a:rPr lang="en-US" altLang="ja-JP" sz="1400" dirty="0"/>
+              <a:t>3) </a:t>
+            </a:r>
+            <a:r>
+              <a:rPr lang="ja-JP" altLang="en-US" sz="1400" dirty="0"/>
+              <a:t>終了したら</a:t>
+            </a:r>
+            <a:r>
+              <a:rPr lang="en-US" altLang="ja-JP" sz="1400" dirty="0"/>
+              <a:t>’yyyy.mm.dd’</a:t>
+            </a:r>
+            <a:r>
+              <a:rPr lang="ja-JP" altLang="en-US" sz="1400" dirty="0"/>
+              <a:t>で</a:t>
+            </a:r>
+            <a:r>
+              <a:rPr lang="en-US" altLang="ja-JP" sz="1400" dirty="0" err="1"/>
+              <a:t>fine_days</a:t>
+            </a:r>
+            <a:r>
+              <a:rPr lang="ja-JP" altLang="en-US" sz="1400" dirty="0"/>
+              <a:t>に保存して返す。</a:t>
+            </a:r>
+            <a:endParaRPr lang="en-US" altLang="ja-JP" sz="1400" dirty="0"/>
+          </a:p>
+        </p:txBody>
+      </p:sp>
+    </p:spTree>
+    <p:extLst>
+      <p:ext uri="{BB962C8B-B14F-4D97-AF65-F5344CB8AC3E}">
+        <p14:creationId xmlns:p14="http://schemas.microsoft.com/office/powerpoint/2010/main" val="1181645826"/>
+      </p:ext>
+    </p:extLst>
+  </p:cSld>
+  <p:clrMapOvr>
+    <a:masterClrMapping/>
+  </p:clrMapOvr>
+</p:sld>
+</file>
+
+<file path=ppt/slides/slide12.xml><?xml version="1.0" encoding="utf-8"?>
+<p:sld xmlns:a="http://schemas.openxmlformats.org/drawingml/2006/main" xmlns:r="http://schemas.openxmlformats.org/officeDocument/2006/relationships" xmlns:p="http://schemas.openxmlformats.org/presentationml/2006/main">
+  <p:cSld>
+    <p:spTree>
+      <p:nvGrpSpPr>
+        <p:cNvPr id="1" name=""/>
+        <p:cNvGrpSpPr/>
+        <p:nvPr/>
+      </p:nvGrpSpPr>
+      <p:grpSpPr>
+        <a:xfrm>
+          <a:off x="0" y="0"/>
+          <a:ext cx="0" cy="0"/>
+          <a:chOff x="0" y="0"/>
+          <a:chExt cx="0" cy="0"/>
+        </a:xfrm>
+      </p:grpSpPr>
+      <p:sp>
+        <p:nvSpPr>
+          <p:cNvPr id="2" name="제목 1">
+            <a:extLst>
+              <a:ext uri="{FF2B5EF4-FFF2-40B4-BE49-F238E27FC236}">
+                <a16:creationId xmlns:a16="http://schemas.microsoft.com/office/drawing/2014/main" id="{764B4145-6DA0-4C95-9DFE-FCD662398403}"/>
+              </a:ext>
+            </a:extLst>
+          </p:cNvPr>
+          <p:cNvSpPr>
+            <a:spLocks noGrp="1"/>
+          </p:cNvSpPr>
+          <p:nvPr>
+            <p:ph type="title"/>
+          </p:nvPr>
+        </p:nvSpPr>
+        <p:spPr>
+          <a:xfrm>
+            <a:off x="2589212" y="88077"/>
+            <a:ext cx="8911687" cy="630101"/>
+          </a:xfrm>
+        </p:spPr>
+        <p:txBody>
+          <a:bodyPr>
+            <a:normAutofit fontScale="90000"/>
+          </a:bodyPr>
+          <a:lstStyle/>
+          <a:p>
+            <a:r>
+              <a:rPr lang="ja-JP" altLang="en-US" dirty="0"/>
+              <a:t>コードの解説</a:t>
+            </a:r>
+            <a:br>
+              <a:rPr lang="en-US" altLang="ja-JP" dirty="0"/>
+            </a:br>
+            <a:br>
+              <a:rPr lang="en-US" altLang="ja-JP" sz="600" dirty="0"/>
+            </a:br>
+            <a:r>
+              <a:rPr lang="en-US" altLang="ja-JP" dirty="0"/>
+              <a:t>5. </a:t>
+            </a:r>
+            <a:r>
+              <a:rPr lang="en-US" altLang="ja-JP" dirty="0" err="1"/>
+              <a:t>SearchKabuKa</a:t>
+            </a:r>
+            <a:r>
+              <a:rPr lang="ja-JP" altLang="en-US" dirty="0"/>
+              <a:t>関数</a:t>
+            </a:r>
+            <a:endParaRPr lang="ko-KR" altLang="en-US" dirty="0"/>
+          </a:p>
+        </p:txBody>
+      </p:sp>
+      <p:pic>
+        <p:nvPicPr>
+          <p:cNvPr id="5" name="내용 개체 틀 4">
+            <a:extLst>
+              <a:ext uri="{FF2B5EF4-FFF2-40B4-BE49-F238E27FC236}">
+                <a16:creationId xmlns:a16="http://schemas.microsoft.com/office/drawing/2014/main" id="{92131B0B-6CF0-430B-A642-FD076EC58D29}"/>
+              </a:ext>
+            </a:extLst>
+          </p:cNvPr>
+          <p:cNvPicPr>
+            <a:picLocks noGrp="1" noChangeAspect="1"/>
+          </p:cNvPicPr>
+          <p:nvPr>
+            <p:ph idx="1"/>
+          </p:nvPr>
+        </p:nvPicPr>
+        <p:blipFill>
+          <a:blip r:embed="rId2"/>
+          <a:stretch>
+            <a:fillRect/>
+          </a:stretch>
+        </p:blipFill>
+        <p:spPr>
+          <a:xfrm>
+            <a:off x="2558732" y="1255726"/>
+            <a:ext cx="4680268" cy="5514197"/>
+          </a:xfrm>
+        </p:spPr>
+      </p:pic>
+      <p:sp>
+        <p:nvSpPr>
+          <p:cNvPr id="6" name="TextBox 5">
+            <a:extLst>
+              <a:ext uri="{FF2B5EF4-FFF2-40B4-BE49-F238E27FC236}">
+                <a16:creationId xmlns:a16="http://schemas.microsoft.com/office/drawing/2014/main" id="{FC59ADD7-053F-4796-9CDC-7839AE421AE2}"/>
+              </a:ext>
+            </a:extLst>
+          </p:cNvPr>
+          <p:cNvSpPr txBox="1"/>
+          <p:nvPr/>
+        </p:nvSpPr>
+        <p:spPr>
+          <a:xfrm>
+            <a:off x="7239000" y="1255726"/>
+            <a:ext cx="5074919" cy="4637423"/>
+          </a:xfrm>
+          <a:prstGeom prst="rect">
+            <a:avLst/>
+          </a:prstGeom>
+          <a:noFill/>
+        </p:spPr>
+        <p:txBody>
+          <a:bodyPr wrap="square" rtlCol="0">
+            <a:spAutoFit/>
+          </a:bodyPr>
+          <a:lstStyle/>
+          <a:p>
+            <a:pPr marL="342900" indent="-342900">
+              <a:lnSpc>
+                <a:spcPct val="130000"/>
+              </a:lnSpc>
+              <a:buAutoNum type="arabicPeriod"/>
+            </a:pPr>
+            <a:r>
+              <a:rPr lang="ja-JP" altLang="en-US" dirty="0"/>
+              <a:t>変数</a:t>
+            </a:r>
+            <a:br>
+              <a:rPr lang="en-US" altLang="ja-JP" sz="1600" dirty="0"/>
+            </a:br>
+            <a:r>
+              <a:rPr lang="en-US" altLang="ja-JP" sz="1400" dirty="0"/>
+              <a:t>-</a:t>
+            </a:r>
+            <a:r>
+              <a:rPr lang="ko-KR" altLang="en-US" sz="1400" dirty="0"/>
+              <a:t> </a:t>
+            </a:r>
+            <a:r>
+              <a:rPr lang="en-US" altLang="ko-KR" sz="1400" dirty="0"/>
+              <a:t>total : csv</a:t>
+            </a:r>
+            <a:r>
+              <a:rPr lang="ja-JP" altLang="en-US" sz="1400" dirty="0"/>
+              <a:t>ファイルに一行づつ書く</a:t>
+            </a:r>
+            <a:r>
+              <a:rPr lang="en-US" altLang="ja-JP" sz="1400" dirty="0"/>
+              <a:t>data</a:t>
+            </a:r>
+            <a:r>
+              <a:rPr lang="ja-JP" altLang="en-US" sz="1400" dirty="0"/>
+              <a:t>の</a:t>
+            </a:r>
+            <a:r>
+              <a:rPr lang="en-US" altLang="ja-JP" sz="1400" dirty="0"/>
+              <a:t>list</a:t>
+            </a:r>
+            <a:br>
+              <a:rPr lang="en-US" altLang="ko-KR" sz="1400" dirty="0"/>
+            </a:br>
+            <a:r>
+              <a:rPr lang="en-US" altLang="ko-KR" sz="1400" dirty="0"/>
+              <a:t>- breaker : for</a:t>
+            </a:r>
+            <a:r>
+              <a:rPr lang="ja-JP" altLang="en-US" sz="1400" dirty="0"/>
+              <a:t>文を終了すさせる</a:t>
+            </a:r>
+            <a:r>
+              <a:rPr lang="en-US" altLang="ja-JP" sz="1400" dirty="0" err="1"/>
+              <a:t>boolean</a:t>
+            </a:r>
+            <a:r>
+              <a:rPr lang="ja-JP" altLang="en-US" sz="1400" dirty="0"/>
+              <a:t>変数</a:t>
+            </a:r>
+            <a:br>
+              <a:rPr lang="en-US" altLang="ko-KR" sz="1400" dirty="0"/>
+            </a:br>
+            <a:r>
+              <a:rPr lang="en-US" altLang="ko-KR" sz="1400" dirty="0"/>
+              <a:t>- </a:t>
+            </a:r>
+            <a:r>
+              <a:rPr lang="en-US" altLang="ko-KR" sz="1400" dirty="0" err="1"/>
+              <a:t>url</a:t>
+            </a:r>
+            <a:r>
+              <a:rPr lang="en-US" altLang="ko-KR" sz="1400" dirty="0"/>
+              <a:t> : </a:t>
+            </a:r>
+            <a:r>
+              <a:rPr lang="en-US" altLang="ja-JP" sz="1400" dirty="0"/>
+              <a:t>crawling</a:t>
+            </a:r>
+            <a:r>
+              <a:rPr lang="ja-JP" altLang="en-US" sz="1400" dirty="0"/>
+              <a:t>する</a:t>
+            </a:r>
+            <a:r>
+              <a:rPr lang="en-US" altLang="ja-JP" sz="1400" dirty="0"/>
+              <a:t>page</a:t>
+            </a:r>
+            <a:r>
+              <a:rPr lang="ja-JP" altLang="en-US" sz="1400" dirty="0"/>
+              <a:t>の</a:t>
+            </a:r>
+            <a:r>
+              <a:rPr lang="en-US" altLang="ja-JP" sz="1400" dirty="0"/>
+              <a:t>address</a:t>
+            </a:r>
+            <a:br>
+              <a:rPr lang="en-US" altLang="ko-KR" sz="1400" dirty="0"/>
+            </a:br>
+            <a:r>
+              <a:rPr lang="en-US" altLang="ko-KR" sz="1400" dirty="0"/>
+              <a:t>- </a:t>
+            </a:r>
+            <a:r>
+              <a:rPr lang="en-US" altLang="ko-KR" sz="1400" dirty="0" err="1"/>
+              <a:t>tablenum</a:t>
+            </a:r>
+            <a:r>
+              <a:rPr lang="en-US" altLang="ko-KR" sz="1400" dirty="0"/>
+              <a:t> : </a:t>
+            </a:r>
+            <a:r>
+              <a:rPr lang="en-US" altLang="ja-JP" sz="1400" dirty="0"/>
+              <a:t>crawling</a:t>
+            </a:r>
+            <a:r>
+              <a:rPr lang="ja-JP" altLang="en-US" sz="1400" dirty="0"/>
+              <a:t>する</a:t>
+            </a:r>
+            <a:r>
+              <a:rPr lang="en-US" altLang="ja-JP" sz="1400" dirty="0"/>
+              <a:t>page</a:t>
+            </a:r>
+            <a:r>
+              <a:rPr lang="ja-JP" altLang="en-US" sz="1400" dirty="0"/>
+              <a:t>の数</a:t>
+            </a:r>
+            <a:br>
+              <a:rPr lang="en-US" altLang="ko-KR" sz="1400" dirty="0"/>
+            </a:br>
+            <a:r>
+              <a:rPr lang="en-US" altLang="ko-KR" sz="1400" dirty="0"/>
+              <a:t>- f : csv</a:t>
+            </a:r>
+            <a:r>
+              <a:rPr lang="ja-JP" altLang="en-US" sz="1400" dirty="0"/>
+              <a:t>ファイルを作って開く変数</a:t>
+            </a:r>
+            <a:br>
+              <a:rPr lang="en-US" altLang="ko-KR" sz="1400" dirty="0"/>
+            </a:br>
+            <a:r>
+              <a:rPr lang="en-US" altLang="ko-KR" sz="1400" dirty="0"/>
+              <a:t>- writer : csv</a:t>
+            </a:r>
+            <a:r>
+              <a:rPr lang="ja-JP" altLang="en-US" sz="1400" dirty="0"/>
+              <a:t>ファイルに書く変数</a:t>
+            </a:r>
+            <a:br>
+              <a:rPr lang="en-US" altLang="ko-KR" sz="1400" dirty="0"/>
+            </a:br>
+            <a:r>
+              <a:rPr lang="en-US" altLang="ko-KR" sz="1400" dirty="0"/>
+              <a:t>- title : csv</a:t>
+            </a:r>
+            <a:r>
+              <a:rPr lang="ja-JP" altLang="en-US" sz="1400" dirty="0"/>
+              <a:t>の</a:t>
+            </a:r>
+            <a:r>
+              <a:rPr lang="en-US" altLang="ja-JP" sz="1400" dirty="0"/>
+              <a:t>index</a:t>
+            </a:r>
+            <a:r>
+              <a:rPr lang="ja-JP" altLang="en-US" sz="1400" dirty="0"/>
+              <a:t>行</a:t>
+            </a:r>
+            <a:br>
+              <a:rPr lang="en-US" altLang="ko-KR" sz="1400" dirty="0"/>
+            </a:br>
+            <a:r>
+              <a:rPr lang="en-US" altLang="ko-KR" sz="1400" dirty="0"/>
+              <a:t>- items2 :</a:t>
+            </a:r>
+            <a:r>
+              <a:rPr lang="ja-JP" altLang="en-US" sz="1400" dirty="0"/>
+              <a:t> </a:t>
+            </a:r>
+            <a:r>
+              <a:rPr lang="en-US" altLang="ja-JP" sz="1400" dirty="0"/>
+              <a:t>page</a:t>
+            </a:r>
+            <a:r>
+              <a:rPr lang="ja-JP" altLang="en-US" sz="1400" dirty="0"/>
+              <a:t>番号を加えた</a:t>
+            </a:r>
+            <a:r>
+              <a:rPr lang="en-US" altLang="ja-JP" sz="1400" dirty="0"/>
+              <a:t>address</a:t>
+            </a:r>
+            <a:br>
+              <a:rPr lang="en-US" altLang="ko-KR" sz="1400" dirty="0"/>
+            </a:br>
+            <a:r>
+              <a:rPr lang="en-US" altLang="ko-KR" sz="1400" dirty="0"/>
+              <a:t>- res1 : requests</a:t>
+            </a:r>
+            <a:r>
+              <a:rPr lang="ja-JP" altLang="en-US" sz="1400" dirty="0"/>
+              <a:t>で実際接続して</a:t>
+            </a:r>
+            <a:r>
+              <a:rPr lang="en-US" altLang="ja-JP" sz="1400" dirty="0"/>
+              <a:t>page</a:t>
+            </a:r>
+            <a:r>
+              <a:rPr lang="ja-JP" altLang="en-US" sz="1400" dirty="0"/>
+              <a:t>を持ってくる変数</a:t>
+            </a:r>
+            <a:br>
+              <a:rPr lang="en-US" altLang="ko-KR" sz="1400" dirty="0"/>
+            </a:br>
+            <a:r>
+              <a:rPr lang="en-US" altLang="ko-KR" sz="1400" dirty="0"/>
+              <a:t>- </a:t>
+            </a:r>
+            <a:r>
+              <a:rPr lang="en-US" altLang="ko-KR" sz="1400" dirty="0" err="1"/>
+              <a:t>searchday</a:t>
+            </a:r>
+            <a:r>
+              <a:rPr lang="en-US" altLang="ko-KR" sz="1400" dirty="0"/>
+              <a:t> : </a:t>
+            </a:r>
+            <a:r>
+              <a:rPr lang="en-US" altLang="ja-JP" sz="1400" dirty="0"/>
+              <a:t>page</a:t>
+            </a:r>
+            <a:r>
+              <a:rPr lang="ja-JP" altLang="en-US" sz="1400" dirty="0"/>
+              <a:t>の内容を持ってくる変数</a:t>
+            </a:r>
+            <a:br>
+              <a:rPr lang="en-US" altLang="ko-KR" sz="1400" dirty="0"/>
+            </a:br>
+            <a:r>
+              <a:rPr lang="en-US" altLang="ko-KR" sz="1400" dirty="0"/>
+              <a:t>- </a:t>
+            </a:r>
+            <a:r>
+              <a:rPr lang="en-US" altLang="ko-KR" sz="1400" dirty="0" err="1"/>
+              <a:t>table_rows</a:t>
+            </a:r>
+            <a:r>
+              <a:rPr lang="en-US" altLang="ko-KR" sz="1400" dirty="0"/>
+              <a:t> : </a:t>
+            </a:r>
+            <a:r>
+              <a:rPr lang="ja-JP" altLang="en-US" sz="1400" dirty="0"/>
+              <a:t>持ってきた</a:t>
+            </a:r>
+            <a:r>
+              <a:rPr lang="en-US" altLang="ja-JP" sz="1400" dirty="0"/>
+              <a:t>table</a:t>
+            </a:r>
+            <a:r>
+              <a:rPr lang="ja-JP" altLang="en-US" sz="1400" dirty="0"/>
+              <a:t>の行だけを保存</a:t>
+            </a:r>
+            <a:br>
+              <a:rPr lang="en-US" altLang="ko-KR" sz="1400" dirty="0"/>
+            </a:br>
+            <a:r>
+              <a:rPr lang="en-US" altLang="ko-KR" sz="1400" dirty="0"/>
+              <a:t>- data : </a:t>
+            </a:r>
+            <a:r>
+              <a:rPr lang="ja-JP" altLang="en-US" sz="1400" dirty="0"/>
+              <a:t>一行を持って空白を消した資料の</a:t>
+            </a:r>
+            <a:r>
+              <a:rPr lang="en-US" altLang="ja-JP" sz="1400" dirty="0"/>
+              <a:t>list</a:t>
+            </a:r>
+            <a:br>
+              <a:rPr lang="en-US" altLang="ko-KR" sz="1400" dirty="0"/>
+            </a:br>
+            <a:r>
+              <a:rPr lang="en-US" altLang="ko-KR" sz="1400" dirty="0"/>
+              <a:t>- day : </a:t>
+            </a:r>
+            <a:r>
+              <a:rPr lang="ja-JP" altLang="en-US" sz="1400" dirty="0"/>
+              <a:t>日を保存</a:t>
+            </a:r>
+            <a:br>
+              <a:rPr lang="en-US" altLang="ko-KR" sz="1400" dirty="0"/>
+            </a:br>
+            <a:r>
+              <a:rPr lang="en-US" altLang="ko-KR" sz="1400" dirty="0"/>
+              <a:t>- price : </a:t>
+            </a:r>
+            <a:r>
+              <a:rPr lang="ja-JP" altLang="en-US" sz="1400" dirty="0"/>
+              <a:t>株価を保存</a:t>
+            </a:r>
+            <a:br>
+              <a:rPr lang="en-US" altLang="ko-KR" sz="1400" dirty="0"/>
+            </a:br>
+            <a:r>
+              <a:rPr lang="en-US" altLang="ko-KR" sz="1400" dirty="0"/>
+              <a:t>- </a:t>
+            </a:r>
+            <a:r>
+              <a:rPr lang="en-US" altLang="ko-KR" sz="1400" dirty="0" err="1"/>
+              <a:t>qunt</a:t>
+            </a:r>
+            <a:r>
+              <a:rPr lang="en-US" altLang="ko-KR" sz="1400" dirty="0"/>
+              <a:t> : </a:t>
+            </a:r>
+            <a:r>
+              <a:rPr lang="ja-JP" altLang="en-US" sz="1400" dirty="0"/>
+              <a:t>取引量を保存</a:t>
+            </a:r>
+            <a:endParaRPr lang="en-US" altLang="ko-KR" sz="1400" dirty="0"/>
+          </a:p>
+        </p:txBody>
+      </p:sp>
+    </p:spTree>
+    <p:extLst>
+      <p:ext uri="{BB962C8B-B14F-4D97-AF65-F5344CB8AC3E}">
+        <p14:creationId xmlns:p14="http://schemas.microsoft.com/office/powerpoint/2010/main" val="3017334055"/>
+      </p:ext>
+    </p:extLst>
+  </p:cSld>
+  <p:clrMapOvr>
+    <a:masterClrMapping/>
+  </p:clrMapOvr>
+</p:sld>
+</file>
+
+<file path=ppt/slides/slide13.xml><?xml version="1.0" encoding="utf-8"?>
+<p:sld xmlns:a="http://schemas.openxmlformats.org/drawingml/2006/main" xmlns:r="http://schemas.openxmlformats.org/officeDocument/2006/relationships" xmlns:p="http://schemas.openxmlformats.org/presentationml/2006/main">
+  <p:cSld>
+    <p:spTree>
+      <p:nvGrpSpPr>
+        <p:cNvPr id="1" name=""/>
+        <p:cNvGrpSpPr/>
+        <p:nvPr/>
+      </p:nvGrpSpPr>
+      <p:grpSpPr>
+        <a:xfrm>
+          <a:off x="0" y="0"/>
+          <a:ext cx="0" cy="0"/>
+          <a:chOff x="0" y="0"/>
+          <a:chExt cx="0" cy="0"/>
+        </a:xfrm>
+      </p:grpSpPr>
+      <p:sp>
+        <p:nvSpPr>
+          <p:cNvPr id="2" name="제목 1">
+            <a:extLst>
+              <a:ext uri="{FF2B5EF4-FFF2-40B4-BE49-F238E27FC236}">
+                <a16:creationId xmlns:a16="http://schemas.microsoft.com/office/drawing/2014/main" id="{764B4145-6DA0-4C95-9DFE-FCD662398403}"/>
+              </a:ext>
+            </a:extLst>
+          </p:cNvPr>
+          <p:cNvSpPr>
+            <a:spLocks noGrp="1"/>
+          </p:cNvSpPr>
+          <p:nvPr>
+            <p:ph type="title"/>
+          </p:nvPr>
+        </p:nvSpPr>
+        <p:spPr>
+          <a:xfrm>
+            <a:off x="2589212" y="88077"/>
+            <a:ext cx="8911687" cy="630101"/>
+          </a:xfrm>
+        </p:spPr>
+        <p:txBody>
+          <a:bodyPr>
+            <a:normAutofit fontScale="90000"/>
+          </a:bodyPr>
+          <a:lstStyle/>
+          <a:p>
+            <a:r>
+              <a:rPr lang="ja-JP" altLang="en-US" dirty="0"/>
+              <a:t>コードの解説</a:t>
+            </a:r>
+            <a:br>
+              <a:rPr lang="en-US" altLang="ja-JP" dirty="0"/>
+            </a:br>
+            <a:br>
+              <a:rPr lang="en-US" altLang="ja-JP" sz="600" dirty="0"/>
+            </a:br>
+            <a:r>
+              <a:rPr lang="en-US" altLang="ja-JP" dirty="0"/>
+              <a:t>5. </a:t>
+            </a:r>
+            <a:r>
+              <a:rPr lang="en-US" altLang="ja-JP" dirty="0" err="1"/>
+              <a:t>SearchKabuKa</a:t>
+            </a:r>
+            <a:r>
+              <a:rPr lang="ja-JP" altLang="en-US" dirty="0"/>
+              <a:t>関数</a:t>
+            </a:r>
+            <a:endParaRPr lang="ko-KR" altLang="en-US" dirty="0"/>
+          </a:p>
+        </p:txBody>
+      </p:sp>
+      <p:pic>
+        <p:nvPicPr>
+          <p:cNvPr id="5" name="내용 개체 틀 4">
+            <a:extLst>
+              <a:ext uri="{FF2B5EF4-FFF2-40B4-BE49-F238E27FC236}">
+                <a16:creationId xmlns:a16="http://schemas.microsoft.com/office/drawing/2014/main" id="{92131B0B-6CF0-430B-A642-FD076EC58D29}"/>
+              </a:ext>
+            </a:extLst>
+          </p:cNvPr>
+          <p:cNvPicPr>
+            <a:picLocks noGrp="1" noChangeAspect="1"/>
+          </p:cNvPicPr>
+          <p:nvPr>
+            <p:ph idx="1"/>
+          </p:nvPr>
+        </p:nvPicPr>
+        <p:blipFill>
+          <a:blip r:embed="rId2"/>
+          <a:stretch>
+            <a:fillRect/>
+          </a:stretch>
+        </p:blipFill>
+        <p:spPr>
+          <a:xfrm>
+            <a:off x="2558732" y="1255726"/>
+            <a:ext cx="4680268" cy="5514197"/>
+          </a:xfrm>
+        </p:spPr>
+      </p:pic>
+      <p:sp>
+        <p:nvSpPr>
+          <p:cNvPr id="7" name="TextBox 6">
+            <a:extLst>
+              <a:ext uri="{FF2B5EF4-FFF2-40B4-BE49-F238E27FC236}">
+                <a16:creationId xmlns:a16="http://schemas.microsoft.com/office/drawing/2014/main" id="{60565FF8-9D72-4550-A171-F3E2E2168C8A}"/>
+              </a:ext>
+            </a:extLst>
+          </p:cNvPr>
+          <p:cNvSpPr txBox="1"/>
+          <p:nvPr/>
+        </p:nvSpPr>
+        <p:spPr>
+          <a:xfrm>
+            <a:off x="7239000" y="1255726"/>
+            <a:ext cx="5767160" cy="3295646"/>
+          </a:xfrm>
+          <a:prstGeom prst="rect">
+            <a:avLst/>
+          </a:prstGeom>
+          <a:noFill/>
+        </p:spPr>
+        <p:txBody>
+          <a:bodyPr wrap="square" rtlCol="0">
+            <a:spAutoFit/>
+          </a:bodyPr>
+          <a:lstStyle/>
+          <a:p>
+            <a:pPr>
+              <a:lnSpc>
+                <a:spcPct val="130000"/>
+              </a:lnSpc>
+            </a:pPr>
+            <a:r>
+              <a:rPr lang="en-US" altLang="ja-JP" sz="1600" dirty="0"/>
+              <a:t>2. </a:t>
+            </a:r>
+            <a:r>
+              <a:rPr lang="ja-JP" altLang="en-US" dirty="0"/>
+              <a:t>コードの流れ</a:t>
+            </a:r>
+            <a:br>
+              <a:rPr lang="en-US" altLang="ja-JP" sz="1600" dirty="0"/>
+            </a:br>
+            <a:r>
+              <a:rPr lang="en-US" altLang="ja-JP" sz="1400" dirty="0"/>
+              <a:t>    1) </a:t>
+            </a:r>
+            <a:r>
+              <a:rPr lang="ja-JP" altLang="en-US" sz="1400" dirty="0"/>
+              <a:t>指定されている</a:t>
+            </a:r>
+            <a:r>
+              <a:rPr lang="en-US" altLang="ja-JP" sz="1400" dirty="0"/>
+              <a:t>address</a:t>
+            </a:r>
+            <a:r>
+              <a:rPr lang="ja-JP" altLang="en-US" sz="1400" dirty="0"/>
+              <a:t>と</a:t>
+            </a:r>
+            <a:r>
+              <a:rPr lang="en-US" altLang="ja-JP" sz="1400" dirty="0"/>
+              <a:t>code</a:t>
+            </a:r>
+            <a:r>
+              <a:rPr lang="ja-JP" altLang="en-US" sz="1400" dirty="0"/>
+              <a:t>を組み合わせる</a:t>
+            </a:r>
+            <a:br>
+              <a:rPr lang="en-US" altLang="ja-JP" sz="1400" dirty="0"/>
+            </a:br>
+            <a:r>
+              <a:rPr lang="en-US" altLang="ja-JP" sz="1400" dirty="0"/>
+              <a:t>    2) </a:t>
+            </a:r>
+            <a:r>
+              <a:rPr lang="en-US" altLang="ja-JP" sz="1400" dirty="0" err="1"/>
+              <a:t>table_number</a:t>
+            </a:r>
+            <a:r>
+              <a:rPr lang="ja-JP" altLang="en-US" sz="1400" dirty="0"/>
+              <a:t>関数で</a:t>
+            </a:r>
+            <a:r>
+              <a:rPr lang="en-US" altLang="ja-JP" sz="1400" dirty="0"/>
+              <a:t>page</a:t>
+            </a:r>
+            <a:r>
+              <a:rPr lang="ja-JP" altLang="en-US" sz="1400" dirty="0"/>
+              <a:t>の数を得る</a:t>
+            </a:r>
+            <a:br>
+              <a:rPr lang="en-US" altLang="ja-JP" sz="1400" dirty="0"/>
+            </a:br>
+            <a:r>
+              <a:rPr lang="en-US" altLang="ja-JP" sz="1400" dirty="0"/>
+              <a:t>    3) csv</a:t>
+            </a:r>
+            <a:r>
+              <a:rPr lang="ja-JP" altLang="en-US" sz="1400" dirty="0"/>
+              <a:t>ファイルを作って</a:t>
+            </a:r>
+            <a:r>
+              <a:rPr lang="en-US" altLang="ja-JP" sz="1400" dirty="0"/>
+              <a:t>index</a:t>
+            </a:r>
+            <a:r>
+              <a:rPr lang="ja-JP" altLang="en-US" sz="1400" dirty="0"/>
+              <a:t>を書く</a:t>
+            </a:r>
+            <a:br>
+              <a:rPr lang="en-US" altLang="ja-JP" sz="1400" dirty="0"/>
+            </a:br>
+            <a:r>
+              <a:rPr lang="en-US" altLang="ja-JP" sz="1400" dirty="0"/>
+              <a:t>    4)  for</a:t>
+            </a:r>
+            <a:r>
+              <a:rPr lang="ja-JP" altLang="en-US" sz="1400" dirty="0"/>
+              <a:t>で</a:t>
+            </a:r>
+            <a:r>
+              <a:rPr lang="en-US" altLang="ja-JP" sz="1400" dirty="0"/>
+              <a:t>page</a:t>
+            </a:r>
+            <a:r>
+              <a:rPr lang="ja-JP" altLang="en-US" sz="1400" dirty="0"/>
+              <a:t>の数で続いて実行する</a:t>
+            </a:r>
+            <a:br>
+              <a:rPr lang="en-US" altLang="ja-JP" sz="1400" dirty="0"/>
+            </a:br>
+            <a:r>
+              <a:rPr lang="en-US" altLang="ja-JP" sz="1400" dirty="0"/>
+              <a:t>    5) </a:t>
+            </a:r>
+            <a:r>
+              <a:rPr lang="en-US" altLang="ko-KR" sz="1400" dirty="0"/>
+              <a:t> </a:t>
+            </a:r>
+            <a:r>
+              <a:rPr lang="en-US" altLang="ko-KR" sz="1400" dirty="0" err="1"/>
+              <a:t>table_rows</a:t>
+            </a:r>
+            <a:r>
+              <a:rPr lang="ja-JP" altLang="en-US" sz="1400" dirty="0"/>
+              <a:t>で資料を持って来て二度目の無限文に入る</a:t>
+            </a:r>
+            <a:br>
+              <a:rPr lang="en-US" altLang="ja-JP" sz="1400" dirty="0"/>
+            </a:br>
+            <a:r>
+              <a:rPr lang="en-US" altLang="ja-JP" sz="1400" dirty="0"/>
+              <a:t>    6)  </a:t>
+            </a:r>
+            <a:r>
+              <a:rPr lang="en-US" altLang="ja-JP" sz="1400" dirty="0" err="1"/>
+              <a:t>table_rows</a:t>
+            </a:r>
+            <a:r>
+              <a:rPr lang="ja-JP" altLang="en-US" sz="1400" dirty="0"/>
+              <a:t>の</a:t>
+            </a:r>
+            <a:r>
+              <a:rPr lang="en-US" altLang="ja-JP" sz="1400" dirty="0"/>
+              <a:t>data</a:t>
+            </a:r>
+            <a:r>
+              <a:rPr lang="ja-JP" altLang="en-US" sz="1400" dirty="0"/>
+              <a:t>を空白を消して</a:t>
+            </a:r>
+            <a:r>
+              <a:rPr lang="en-US" altLang="ja-JP" sz="1400" dirty="0"/>
+              <a:t>day, price, </a:t>
+            </a:r>
+            <a:r>
+              <a:rPr lang="en-US" altLang="ja-JP" sz="1400" dirty="0" err="1"/>
+              <a:t>qunt</a:t>
+            </a:r>
+            <a:r>
+              <a:rPr lang="ja-JP" altLang="en-US" sz="1400" dirty="0"/>
+              <a:t>に</a:t>
+            </a:r>
+            <a:br>
+              <a:rPr lang="en-US" altLang="ja-JP" sz="1400" dirty="0"/>
+            </a:br>
+            <a:r>
+              <a:rPr lang="ja-JP" altLang="en-US" sz="1400" dirty="0"/>
+              <a:t>　　  分けて</a:t>
+            </a:r>
+            <a:r>
+              <a:rPr lang="en-US" altLang="ja-JP" sz="1400" dirty="0"/>
+              <a:t>total</a:t>
+            </a:r>
+            <a:r>
+              <a:rPr lang="ja-JP" altLang="en-US" sz="1400" dirty="0"/>
+              <a:t>で組み合わせて</a:t>
+            </a:r>
+            <a:r>
+              <a:rPr lang="en-US" altLang="ja-JP" sz="1400" dirty="0"/>
+              <a:t>csv</a:t>
+            </a:r>
+            <a:r>
+              <a:rPr lang="ja-JP" altLang="en-US" sz="1400" dirty="0"/>
+              <a:t>に書く</a:t>
+            </a:r>
+            <a:br>
+              <a:rPr lang="en-US" altLang="ja-JP" sz="1400" dirty="0"/>
+            </a:br>
+            <a:r>
+              <a:rPr lang="en-US" altLang="ja-JP" sz="1400" dirty="0"/>
+              <a:t>    7)  if todays == day</a:t>
+            </a:r>
+            <a:r>
+              <a:rPr lang="ja-JP" altLang="en-US" sz="1400" dirty="0"/>
+              <a:t>で今日を除く</a:t>
+            </a:r>
+            <a:br>
+              <a:rPr lang="en-US" altLang="ja-JP" sz="1400" dirty="0"/>
+            </a:br>
+            <a:r>
+              <a:rPr lang="ja-JP" altLang="en-US" sz="1400" dirty="0"/>
+              <a:t>    </a:t>
+            </a:r>
+            <a:r>
+              <a:rPr lang="en-US" altLang="ja-JP" sz="1400" dirty="0"/>
+              <a:t>8) day == days</a:t>
+            </a:r>
+            <a:r>
+              <a:rPr lang="ja-JP" altLang="en-US" sz="1400" dirty="0"/>
+              <a:t>で入力された日まで検索して終了する</a:t>
+            </a:r>
+            <a:endParaRPr lang="ko-KR" altLang="en-US" sz="1400" dirty="0"/>
+          </a:p>
+          <a:p>
+            <a:pPr>
+              <a:lnSpc>
+                <a:spcPct val="150000"/>
+              </a:lnSpc>
+            </a:pPr>
+            <a:endParaRPr lang="en-US" altLang="ja-JP" sz="1600" dirty="0"/>
+          </a:p>
+        </p:txBody>
+      </p:sp>
+    </p:spTree>
+    <p:extLst>
+      <p:ext uri="{BB962C8B-B14F-4D97-AF65-F5344CB8AC3E}">
+        <p14:creationId xmlns:p14="http://schemas.microsoft.com/office/powerpoint/2010/main" val="1092056068"/>
+      </p:ext>
+    </p:extLst>
+  </p:cSld>
+  <p:clrMapOvr>
+    <a:masterClrMapping/>
+  </p:clrMapOvr>
+</p:sld>
+</file>
+
+<file path=ppt/slides/slide14.xml><?xml version="1.0" encoding="utf-8"?>
+<p:sld xmlns:a="http://schemas.openxmlformats.org/drawingml/2006/main" xmlns:r="http://schemas.openxmlformats.org/officeDocument/2006/relationships" xmlns:p="http://schemas.openxmlformats.org/presentationml/2006/main">
+  <p:cSld>
+    <p:spTree>
+      <p:nvGrpSpPr>
+        <p:cNvPr id="1" name=""/>
+        <p:cNvGrpSpPr/>
+        <p:nvPr/>
+      </p:nvGrpSpPr>
+      <p:grpSpPr>
+        <a:xfrm>
+          <a:off x="0" y="0"/>
+          <a:ext cx="0" cy="0"/>
+          <a:chOff x="0" y="0"/>
+          <a:chExt cx="0" cy="0"/>
+        </a:xfrm>
+      </p:grpSpPr>
+      <p:pic>
+        <p:nvPicPr>
+          <p:cNvPr id="6" name="내용 개체 틀 5">
+            <a:extLst>
+              <a:ext uri="{FF2B5EF4-FFF2-40B4-BE49-F238E27FC236}">
+                <a16:creationId xmlns:a16="http://schemas.microsoft.com/office/drawing/2014/main" id="{A57940F5-1189-400F-88D6-1DF4EAA7CF76}"/>
+              </a:ext>
+            </a:extLst>
+          </p:cNvPr>
+          <p:cNvPicPr>
+            <a:picLocks noGrp="1" noChangeAspect="1"/>
+          </p:cNvPicPr>
+          <p:nvPr>
+            <p:ph idx="1"/>
+          </p:nvPr>
+        </p:nvPicPr>
+        <p:blipFill>
+          <a:blip r:embed="rId2"/>
+          <a:stretch>
+            <a:fillRect/>
+          </a:stretch>
+        </p:blipFill>
+        <p:spPr>
+          <a:xfrm>
+            <a:off x="2589212" y="1213479"/>
+            <a:ext cx="8414480" cy="2703201"/>
+          </a:xfrm>
+        </p:spPr>
+      </p:pic>
+      <p:sp>
+        <p:nvSpPr>
+          <p:cNvPr id="4" name="제목 1">
+            <a:extLst>
+              <a:ext uri="{FF2B5EF4-FFF2-40B4-BE49-F238E27FC236}">
+                <a16:creationId xmlns:a16="http://schemas.microsoft.com/office/drawing/2014/main" id="{B89B897F-006E-4B07-82C5-3143458027F4}"/>
+              </a:ext>
+            </a:extLst>
+          </p:cNvPr>
+          <p:cNvSpPr>
+            <a:spLocks noGrp="1"/>
+          </p:cNvSpPr>
+          <p:nvPr>
+            <p:ph type="title"/>
+          </p:nvPr>
+        </p:nvSpPr>
+        <p:spPr>
+          <a:xfrm>
+            <a:off x="2589212" y="88079"/>
+            <a:ext cx="8911687" cy="630101"/>
+          </a:xfrm>
+        </p:spPr>
+        <p:txBody>
+          <a:bodyPr>
+            <a:normAutofit fontScale="90000"/>
+          </a:bodyPr>
+          <a:lstStyle/>
+          <a:p>
+            <a:r>
+              <a:rPr lang="ja-JP" altLang="en-US" dirty="0"/>
+              <a:t>コードの解説</a:t>
+            </a:r>
+            <a:br>
+              <a:rPr lang="en-US" altLang="ja-JP" dirty="0"/>
+            </a:br>
+            <a:br>
+              <a:rPr lang="en-US" altLang="ja-JP" sz="600" dirty="0"/>
+            </a:br>
+            <a:r>
+              <a:rPr lang="en-US" altLang="ja-JP" dirty="0"/>
+              <a:t>6. </a:t>
+            </a:r>
+            <a:r>
+              <a:rPr lang="en-US" altLang="ja-JP" dirty="0" err="1"/>
+              <a:t>table_number</a:t>
+            </a:r>
+            <a:r>
+              <a:rPr lang="ja-JP" altLang="en-US" dirty="0"/>
+              <a:t>関数</a:t>
+            </a:r>
+            <a:br>
+              <a:rPr lang="ko-KR" altLang="en-US" dirty="0"/>
+            </a:br>
+            <a:endParaRPr lang="ko-KR" altLang="en-US" dirty="0"/>
+          </a:p>
+        </p:txBody>
+      </p:sp>
+      <p:sp>
+        <p:nvSpPr>
+          <p:cNvPr id="10" name="TextBox 9">
+            <a:extLst>
+              <a:ext uri="{FF2B5EF4-FFF2-40B4-BE49-F238E27FC236}">
+                <a16:creationId xmlns:a16="http://schemas.microsoft.com/office/drawing/2014/main" id="{E41D5249-7D6A-4054-86FC-17EC8AD6B8AA}"/>
+              </a:ext>
+            </a:extLst>
+          </p:cNvPr>
+          <p:cNvSpPr txBox="1"/>
+          <p:nvPr/>
+        </p:nvSpPr>
+        <p:spPr>
+          <a:xfrm>
+            <a:off x="2589212" y="3849910"/>
+            <a:ext cx="8414480" cy="2196755"/>
+          </a:xfrm>
+          <a:prstGeom prst="rect">
+            <a:avLst/>
+          </a:prstGeom>
+          <a:noFill/>
+        </p:spPr>
+        <p:txBody>
+          <a:bodyPr wrap="square" rtlCol="0">
+            <a:spAutoFit/>
+          </a:bodyPr>
+          <a:lstStyle/>
+          <a:p>
+            <a:pPr marL="342900" indent="-342900">
+              <a:lnSpc>
+                <a:spcPct val="130000"/>
+              </a:lnSpc>
+              <a:buAutoNum type="arabicPeriod"/>
+            </a:pPr>
+            <a:r>
+              <a:rPr lang="ja-JP" altLang="en-US" dirty="0"/>
+              <a:t>変数</a:t>
+            </a:r>
+            <a:br>
+              <a:rPr lang="en-US" altLang="ja-JP" dirty="0"/>
+            </a:br>
+            <a:r>
+              <a:rPr lang="en-US" altLang="ja-JP" sz="1400" dirty="0"/>
+              <a:t>- </a:t>
+            </a:r>
+            <a:r>
+              <a:rPr lang="en-US" altLang="ja-JP" sz="1400" dirty="0" err="1"/>
+              <a:t>searchtablenum</a:t>
+            </a:r>
+            <a:r>
+              <a:rPr lang="en-US" altLang="ko-KR" sz="1400" dirty="0"/>
+              <a:t> </a:t>
+            </a:r>
+            <a:r>
+              <a:rPr lang="en-US" altLang="ja-JP" sz="1400" dirty="0"/>
+              <a:t>: </a:t>
+            </a:r>
+            <a:br>
+              <a:rPr lang="en-US" altLang="ja-JP" sz="1400" dirty="0"/>
+            </a:br>
+            <a:r>
+              <a:rPr lang="en-US" altLang="ja-JP" sz="1400" dirty="0"/>
+              <a:t>- </a:t>
+            </a:r>
+            <a:r>
+              <a:rPr lang="en-US" altLang="ko-KR" sz="1400" dirty="0" err="1"/>
+              <a:t>tablenum</a:t>
+            </a:r>
+            <a:r>
+              <a:rPr lang="en-US" altLang="ja-JP" sz="1400" dirty="0"/>
+              <a:t> : </a:t>
+            </a:r>
+          </a:p>
+          <a:p>
+            <a:pPr marL="342900" indent="-342900">
+              <a:lnSpc>
+                <a:spcPct val="130000"/>
+              </a:lnSpc>
+              <a:buAutoNum type="arabicPeriod"/>
+            </a:pPr>
+            <a:r>
+              <a:rPr lang="ja-JP" altLang="en-US" dirty="0"/>
+              <a:t>コードの流れ</a:t>
+            </a:r>
+            <a:br>
+              <a:rPr lang="en-US" altLang="ja-JP" dirty="0"/>
+            </a:br>
+            <a:r>
+              <a:rPr lang="en-US" altLang="ja-JP" sz="1400" dirty="0"/>
+              <a:t>1) </a:t>
+            </a:r>
+            <a:r>
+              <a:rPr lang="ja-JP" altLang="en-US" sz="1400" dirty="0"/>
+              <a:t>持ってきた</a:t>
+            </a:r>
+            <a:r>
+              <a:rPr lang="en-US" altLang="ja-JP" sz="1400" dirty="0"/>
+              <a:t>address</a:t>
+            </a:r>
+            <a:r>
+              <a:rPr lang="ja-JP" altLang="en-US" sz="1400" dirty="0"/>
+              <a:t>で接続して</a:t>
+            </a:r>
+            <a:r>
+              <a:rPr lang="en-US" altLang="ja-JP" sz="1400" dirty="0" err="1"/>
+              <a:t>searchtablenum</a:t>
+            </a:r>
+            <a:r>
+              <a:rPr lang="ja-JP" altLang="en-US" sz="1400" dirty="0"/>
+              <a:t>に</a:t>
+            </a:r>
+            <a:r>
+              <a:rPr lang="en-US" altLang="ja-JP" sz="1400" dirty="0"/>
+              <a:t>page</a:t>
+            </a:r>
+            <a:r>
+              <a:rPr lang="ja-JP" altLang="en-US" sz="1400" dirty="0"/>
+              <a:t>情報を保存</a:t>
+            </a:r>
+            <a:br>
+              <a:rPr lang="en-US" altLang="ja-JP" sz="1400" dirty="0"/>
+            </a:br>
+            <a:r>
+              <a:rPr lang="en-US" altLang="ja-JP" sz="1400" dirty="0"/>
+              <a:t>2) page</a:t>
+            </a:r>
+            <a:r>
+              <a:rPr lang="ja-JP" altLang="en-US" sz="1400" dirty="0"/>
+              <a:t>が一つだけの場合</a:t>
+            </a:r>
+            <a:r>
+              <a:rPr lang="en-US" altLang="ja-JP" sz="1400" dirty="0" err="1"/>
+              <a:t>searchtablenum</a:t>
+            </a:r>
+            <a:r>
+              <a:rPr lang="ja-JP" altLang="en-US" sz="1400" dirty="0"/>
+              <a:t>が空になるので今の</a:t>
+            </a:r>
+            <a:r>
+              <a:rPr lang="en-US" altLang="ja-JP" sz="1400" dirty="0"/>
+              <a:t>page</a:t>
+            </a:r>
+            <a:r>
+              <a:rPr lang="ja-JP" altLang="en-US" sz="1400" dirty="0"/>
+              <a:t>を保存</a:t>
+            </a:r>
+            <a:br>
+              <a:rPr lang="en-US" altLang="ja-JP" sz="1400" dirty="0"/>
+            </a:br>
+            <a:r>
+              <a:rPr lang="en-US" altLang="ja-JP" sz="1400" dirty="0"/>
+              <a:t>3) </a:t>
+            </a:r>
+            <a:r>
+              <a:rPr lang="en-US" altLang="ja-JP" sz="1400" dirty="0" err="1"/>
+              <a:t>tablenum</a:t>
+            </a:r>
+            <a:r>
+              <a:rPr lang="ja-JP" altLang="en-US" sz="1400" dirty="0"/>
+              <a:t>で情報を入れて返す</a:t>
+            </a:r>
+            <a:endParaRPr lang="en-US" altLang="ja-JP" sz="1400" dirty="0"/>
+          </a:p>
+        </p:txBody>
+      </p:sp>
+    </p:spTree>
+    <p:extLst>
+      <p:ext uri="{BB962C8B-B14F-4D97-AF65-F5344CB8AC3E}">
+        <p14:creationId xmlns:p14="http://schemas.microsoft.com/office/powerpoint/2010/main" val="2857008859"/>
+      </p:ext>
+    </p:extLst>
+  </p:cSld>
+  <p:clrMapOvr>
+    <a:masterClrMapping/>
+  </p:clrMapOvr>
+</p:sld>
+</file>
+
+<file path=ppt/slides/slide15.xml><?xml version="1.0" encoding="utf-8"?>
+<p:sld xmlns:a="http://schemas.openxmlformats.org/drawingml/2006/main" xmlns:r="http://schemas.openxmlformats.org/officeDocument/2006/relationships" xmlns:p="http://schemas.openxmlformats.org/presentationml/2006/main">
+  <p:cSld>
+    <p:spTree>
+      <p:nvGrpSpPr>
+        <p:cNvPr id="1" name=""/>
+        <p:cNvGrpSpPr/>
+        <p:nvPr/>
+      </p:nvGrpSpPr>
+      <p:grpSpPr>
+        <a:xfrm>
+          <a:off x="0" y="0"/>
+          <a:ext cx="0" cy="0"/>
+          <a:chOff x="0" y="0"/>
+          <a:chExt cx="0" cy="0"/>
+        </a:xfrm>
+      </p:grpSpPr>
+      <p:sp>
+        <p:nvSpPr>
+          <p:cNvPr id="2" name="제목 1">
+            <a:extLst>
+              <a:ext uri="{FF2B5EF4-FFF2-40B4-BE49-F238E27FC236}">
+                <a16:creationId xmlns:a16="http://schemas.microsoft.com/office/drawing/2014/main" id="{764B4145-6DA0-4C95-9DFE-FCD662398403}"/>
+              </a:ext>
+            </a:extLst>
+          </p:cNvPr>
+          <p:cNvSpPr>
+            <a:spLocks noGrp="1"/>
+          </p:cNvSpPr>
+          <p:nvPr>
+            <p:ph type="title"/>
+          </p:nvPr>
+        </p:nvSpPr>
+        <p:spPr>
+          <a:xfrm>
+            <a:off x="2589212" y="88077"/>
+            <a:ext cx="8911687" cy="630101"/>
+          </a:xfrm>
+        </p:spPr>
+        <p:txBody>
+          <a:bodyPr>
+            <a:normAutofit fontScale="90000"/>
+          </a:bodyPr>
+          <a:lstStyle/>
+          <a:p>
+            <a:r>
+              <a:rPr lang="ja-JP" altLang="en-US" dirty="0"/>
+              <a:t>コードの解説</a:t>
+            </a:r>
+            <a:br>
+              <a:rPr lang="en-US" altLang="ja-JP" dirty="0"/>
+            </a:br>
+            <a:br>
+              <a:rPr lang="en-US" altLang="ja-JP" sz="600" dirty="0"/>
+            </a:br>
+            <a:r>
+              <a:rPr lang="en-US" altLang="ja-JP" dirty="0"/>
+              <a:t>7. draw class</a:t>
+            </a:r>
+            <a:r>
+              <a:rPr lang="ja-JP" altLang="en-US" dirty="0"/>
+              <a:t>と</a:t>
+            </a:r>
+            <a:r>
+              <a:rPr lang="en-US" altLang="ja-JP" dirty="0" err="1"/>
+              <a:t>drawline</a:t>
+            </a:r>
+            <a:r>
+              <a:rPr lang="ja-JP" altLang="en-US" dirty="0"/>
+              <a:t>関数</a:t>
+            </a:r>
+            <a:endParaRPr lang="ko-KR" altLang="en-US" dirty="0"/>
+          </a:p>
+        </p:txBody>
+      </p:sp>
+      <p:pic>
+        <p:nvPicPr>
+          <p:cNvPr id="5" name="내용 개체 틀 4">
+            <a:extLst>
+              <a:ext uri="{FF2B5EF4-FFF2-40B4-BE49-F238E27FC236}">
+                <a16:creationId xmlns:a16="http://schemas.microsoft.com/office/drawing/2014/main" id="{92131B0B-6CF0-430B-A642-FD076EC58D29}"/>
+              </a:ext>
+            </a:extLst>
+          </p:cNvPr>
+          <p:cNvPicPr>
+            <a:picLocks noGrp="1" noChangeAspect="1"/>
+          </p:cNvPicPr>
+          <p:nvPr>
+            <p:ph idx="1"/>
+          </p:nvPr>
+        </p:nvPicPr>
+        <p:blipFill>
+          <a:blip r:embed="rId2"/>
+          <a:stretch>
+            <a:fillRect/>
+          </a:stretch>
+        </p:blipFill>
+        <p:spPr>
+          <a:xfrm>
+            <a:off x="2589212" y="2045183"/>
+            <a:ext cx="4680268" cy="4546118"/>
+          </a:xfrm>
+        </p:spPr>
+      </p:pic>
+      <p:sp>
+        <p:nvSpPr>
+          <p:cNvPr id="6" name="TextBox 5">
+            <a:extLst>
+              <a:ext uri="{FF2B5EF4-FFF2-40B4-BE49-F238E27FC236}">
+                <a16:creationId xmlns:a16="http://schemas.microsoft.com/office/drawing/2014/main" id="{FC59ADD7-053F-4796-9CDC-7839AE421AE2}"/>
+              </a:ext>
+            </a:extLst>
+          </p:cNvPr>
+          <p:cNvSpPr txBox="1"/>
+          <p:nvPr/>
+        </p:nvSpPr>
+        <p:spPr>
+          <a:xfrm>
+            <a:off x="7239000" y="1255726"/>
+            <a:ext cx="5074919" cy="5263557"/>
+          </a:xfrm>
+          <a:prstGeom prst="rect">
+            <a:avLst/>
+          </a:prstGeom>
+          <a:noFill/>
+        </p:spPr>
+        <p:txBody>
+          <a:bodyPr wrap="square" rtlCol="0">
+            <a:spAutoFit/>
+          </a:bodyPr>
+          <a:lstStyle/>
+          <a:p>
+            <a:pPr marL="342900" indent="-342900">
+              <a:lnSpc>
+                <a:spcPct val="130000"/>
+              </a:lnSpc>
+              <a:buAutoNum type="arabicPeriod"/>
+            </a:pPr>
+            <a:r>
+              <a:rPr lang="ja-JP" altLang="en-US" dirty="0"/>
+              <a:t>変数</a:t>
+            </a:r>
+            <a:br>
+              <a:rPr lang="en-US" altLang="ja-JP" sz="1600" dirty="0"/>
+            </a:br>
+            <a:r>
+              <a:rPr lang="en-US" altLang="ja-JP" sz="1400" dirty="0"/>
+              <a:t>-</a:t>
+            </a:r>
+            <a:r>
+              <a:rPr lang="ko-KR" altLang="en-US" sz="1400" dirty="0"/>
+              <a:t> </a:t>
+            </a:r>
+            <a:r>
+              <a:rPr lang="en-US" altLang="ko-KR" sz="1400" dirty="0"/>
+              <a:t>pd : pandas</a:t>
+            </a:r>
+            <a:r>
+              <a:rPr lang="ja-JP" altLang="en-US" sz="1400" dirty="0"/>
+              <a:t>を呼んで</a:t>
+            </a:r>
+            <a:r>
+              <a:rPr lang="en-US" altLang="ja-JP" sz="1400" dirty="0"/>
+              <a:t>pd</a:t>
+            </a:r>
+            <a:r>
+              <a:rPr lang="ja-JP" altLang="en-US" sz="1400" dirty="0"/>
+              <a:t>に定義</a:t>
+            </a:r>
+            <a:br>
+              <a:rPr lang="en-US" altLang="ko-KR" sz="1400" dirty="0"/>
+            </a:br>
+            <a:r>
+              <a:rPr lang="en-US" altLang="ko-KR" sz="1400" dirty="0"/>
+              <a:t>- </a:t>
+            </a:r>
+            <a:r>
+              <a:rPr lang="en-US" altLang="ko-KR" sz="1400" dirty="0" err="1"/>
+              <a:t>plt</a:t>
+            </a:r>
+            <a:r>
+              <a:rPr lang="en-US" altLang="ko-KR" sz="1400" dirty="0"/>
+              <a:t> :  matplotlib</a:t>
+            </a:r>
+            <a:r>
+              <a:rPr lang="ja-JP" altLang="en-US" sz="1400" dirty="0"/>
+              <a:t>の</a:t>
+            </a:r>
+            <a:r>
+              <a:rPr lang="en-US" altLang="ja-JP" sz="1400" dirty="0" err="1"/>
+              <a:t>pyplot</a:t>
+            </a:r>
+            <a:r>
+              <a:rPr lang="ja-JP" altLang="en-US" sz="1400" dirty="0"/>
+              <a:t>を呼んで</a:t>
+            </a:r>
+            <a:r>
+              <a:rPr lang="en-US" altLang="ja-JP" sz="1400" dirty="0" err="1"/>
+              <a:t>plt</a:t>
+            </a:r>
+            <a:r>
+              <a:rPr lang="ja-JP" altLang="en-US" sz="1400" dirty="0"/>
+              <a:t>に定義</a:t>
+            </a:r>
+            <a:br>
+              <a:rPr lang="en-US" altLang="ko-KR" sz="1400" dirty="0"/>
+            </a:br>
+            <a:r>
+              <a:rPr lang="en-US" altLang="ko-KR" sz="1400" dirty="0"/>
+              <a:t>- df : pandas</a:t>
+            </a:r>
+            <a:r>
+              <a:rPr lang="ja-JP" altLang="en-US" sz="1400" dirty="0"/>
+              <a:t>で</a:t>
+            </a:r>
+            <a:r>
+              <a:rPr lang="en-US" altLang="ja-JP" sz="1400" dirty="0"/>
+              <a:t>csv</a:t>
+            </a:r>
+            <a:r>
+              <a:rPr lang="ja-JP" altLang="en-US" sz="1400" dirty="0"/>
+              <a:t>ファイルを読んで保存した変数</a:t>
+            </a:r>
+            <a:br>
+              <a:rPr lang="en-US" altLang="ko-KR" sz="1400" dirty="0"/>
+            </a:br>
+            <a:r>
+              <a:rPr lang="en-US" altLang="ko-KR" sz="1400" dirty="0"/>
+              <a:t>- </a:t>
+            </a:r>
+            <a:r>
+              <a:rPr lang="en-US" altLang="ko-KR" sz="1400" dirty="0" err="1"/>
+              <a:t>fg</a:t>
+            </a:r>
+            <a:r>
+              <a:rPr lang="en-US" altLang="ko-KR" sz="1400" dirty="0"/>
+              <a:t> : </a:t>
+            </a:r>
+            <a:r>
+              <a:rPr lang="en-US" altLang="ko-KR" sz="1400" dirty="0" err="1"/>
+              <a:t>plt</a:t>
+            </a:r>
+            <a:r>
+              <a:rPr lang="ja-JP" altLang="en-US" sz="1400" dirty="0"/>
+              <a:t>で</a:t>
+            </a:r>
+            <a:r>
+              <a:rPr lang="en-US" altLang="ja-JP" sz="1400" dirty="0"/>
+              <a:t>graph</a:t>
+            </a:r>
+            <a:r>
+              <a:rPr lang="ja-JP" altLang="en-US" sz="1400" dirty="0"/>
+              <a:t>を描く紙を定義</a:t>
+            </a:r>
+            <a:endParaRPr lang="en-US" altLang="ko-KR" sz="1400" dirty="0"/>
+          </a:p>
+          <a:p>
+            <a:pPr marL="342900" indent="-342900">
+              <a:lnSpc>
+                <a:spcPct val="130000"/>
+              </a:lnSpc>
+              <a:buAutoNum type="arabicPeriod"/>
+            </a:pPr>
+            <a:r>
+              <a:rPr lang="ja-JP" altLang="en-US" dirty="0"/>
+              <a:t>コードの流れ</a:t>
+            </a:r>
+            <a:br>
+              <a:rPr lang="en-US" altLang="ja-JP" dirty="0"/>
+            </a:br>
+            <a:r>
+              <a:rPr lang="en-US" altLang="ja-JP" sz="1400" dirty="0"/>
+              <a:t> 1)</a:t>
+            </a:r>
+            <a:r>
+              <a:rPr lang="ja-JP" altLang="en-US" sz="1400" dirty="0"/>
+              <a:t> </a:t>
+            </a:r>
+            <a:r>
+              <a:rPr lang="en-US" altLang="ja-JP" sz="1400" dirty="0"/>
+              <a:t>pandas</a:t>
+            </a:r>
+            <a:r>
+              <a:rPr lang="ja-JP" altLang="en-US" sz="1400" dirty="0"/>
+              <a:t>で</a:t>
+            </a:r>
+            <a:r>
+              <a:rPr lang="en-US" altLang="ja-JP" sz="1400" dirty="0"/>
+              <a:t>csv</a:t>
+            </a:r>
+            <a:r>
+              <a:rPr lang="ja-JP" altLang="en-US" sz="1400" dirty="0"/>
+              <a:t>を読んで</a:t>
+            </a:r>
+            <a:r>
+              <a:rPr lang="en-US" altLang="ja-JP" sz="1400" dirty="0"/>
+              <a:t>df</a:t>
+            </a:r>
+            <a:r>
+              <a:rPr lang="ja-JP" altLang="en-US" sz="1400" dirty="0"/>
+              <a:t>に</a:t>
+            </a:r>
+            <a:r>
+              <a:rPr lang="en-US" altLang="ja-JP" sz="1400" dirty="0"/>
+              <a:t>data</a:t>
+            </a:r>
+            <a:r>
+              <a:rPr lang="ja-JP" altLang="en-US" sz="1400" dirty="0"/>
+              <a:t>を入れる</a:t>
+            </a:r>
+            <a:br>
+              <a:rPr lang="en-US" altLang="ja-JP" sz="1400" dirty="0"/>
+            </a:br>
+            <a:r>
+              <a:rPr lang="en-US" altLang="ja-JP" sz="1400" dirty="0"/>
+              <a:t> 2) data</a:t>
+            </a:r>
+            <a:r>
+              <a:rPr lang="ja-JP" altLang="en-US" sz="1400" dirty="0"/>
+              <a:t>の中の</a:t>
+            </a:r>
+            <a:r>
+              <a:rPr lang="en-US" altLang="ja-JP" sz="1400" dirty="0"/>
+              <a:t>day</a:t>
+            </a:r>
+            <a:r>
+              <a:rPr lang="ja-JP" altLang="en-US" sz="1400" dirty="0"/>
+              <a:t>を文字から</a:t>
+            </a:r>
+            <a:r>
+              <a:rPr lang="en-US" altLang="ja-JP" sz="1400" dirty="0"/>
+              <a:t>date</a:t>
+            </a:r>
+            <a:r>
+              <a:rPr lang="ja-JP" altLang="en-US" sz="1400" dirty="0"/>
+              <a:t>に</a:t>
+            </a:r>
+            <a:r>
+              <a:rPr lang="en-US" altLang="ja-JP" sz="1400" dirty="0"/>
+              <a:t>type</a:t>
+            </a:r>
+            <a:r>
+              <a:rPr lang="ja-JP" altLang="en-US" sz="1400" dirty="0"/>
+              <a:t>変換して</a:t>
+            </a:r>
+            <a:br>
+              <a:rPr lang="en-US" altLang="ja-JP" sz="1400" dirty="0"/>
+            </a:br>
+            <a:r>
+              <a:rPr lang="en-US" altLang="ja-JP" sz="1400" dirty="0"/>
+              <a:t>	</a:t>
+            </a:r>
+            <a:r>
+              <a:rPr lang="ja-JP" altLang="en-US" sz="1400" dirty="0"/>
+              <a:t>　順番にする</a:t>
+            </a:r>
+            <a:br>
+              <a:rPr lang="en-US" altLang="ja-JP" sz="1400" dirty="0"/>
+            </a:br>
+            <a:r>
+              <a:rPr lang="en-US" altLang="ja-JP" sz="1400" dirty="0"/>
+              <a:t> 3) </a:t>
+            </a:r>
+            <a:r>
+              <a:rPr lang="ja-JP" altLang="en-US" sz="1400" dirty="0"/>
+              <a:t>株価と取引量を文字から数字に変える</a:t>
+            </a:r>
+            <a:br>
+              <a:rPr lang="en-US" altLang="ja-JP" sz="1400" dirty="0"/>
+            </a:br>
+            <a:r>
+              <a:rPr lang="en-US" altLang="ja-JP" sz="1400" dirty="0"/>
+              <a:t> 4) </a:t>
+            </a:r>
+            <a:r>
+              <a:rPr lang="en-US" altLang="ja-JP" sz="1400" dirty="0" err="1"/>
+              <a:t>plt</a:t>
+            </a:r>
+            <a:r>
+              <a:rPr lang="ja-JP" altLang="en-US" sz="1400" dirty="0"/>
+              <a:t>で紙の大きさを定義</a:t>
+            </a:r>
+            <a:br>
+              <a:rPr lang="en-US" altLang="ja-JP" sz="1400" dirty="0"/>
+            </a:br>
+            <a:r>
+              <a:rPr lang="en-US" altLang="ja-JP" sz="1400" dirty="0"/>
+              <a:t> 5) title</a:t>
+            </a:r>
+            <a:r>
+              <a:rPr lang="ja-JP" altLang="en-US" sz="1400" dirty="0"/>
+              <a:t>を設定し</a:t>
+            </a:r>
+            <a:r>
+              <a:rPr lang="en-US" altLang="ja-JP" sz="1400" dirty="0"/>
+              <a:t>graph</a:t>
+            </a:r>
+            <a:r>
+              <a:rPr lang="ja-JP" altLang="en-US" sz="1400" dirty="0"/>
+              <a:t>を二つに分ける</a:t>
+            </a:r>
+            <a:br>
+              <a:rPr lang="en-US" altLang="ja-JP" sz="1400" dirty="0"/>
+            </a:br>
+            <a:r>
+              <a:rPr lang="en-US" altLang="ja-JP" sz="1400" dirty="0"/>
+              <a:t> 6) </a:t>
+            </a:r>
+            <a:r>
+              <a:rPr lang="ja-JP" altLang="en-US" sz="1400" dirty="0"/>
+              <a:t>最初の</a:t>
+            </a:r>
+            <a:r>
+              <a:rPr lang="en-US" altLang="ja-JP" sz="1400" dirty="0"/>
+              <a:t>graph</a:t>
+            </a:r>
+            <a:r>
+              <a:rPr lang="ja-JP" altLang="en-US" sz="1400" dirty="0"/>
+              <a:t>は</a:t>
+            </a:r>
+            <a:r>
+              <a:rPr lang="en-US" altLang="ja-JP" sz="1400" dirty="0"/>
+              <a:t>x</a:t>
+            </a:r>
+            <a:r>
+              <a:rPr lang="ja-JP" altLang="en-US" sz="1400" dirty="0"/>
+              <a:t>軸に日を</a:t>
+            </a:r>
+            <a:r>
+              <a:rPr lang="en-US" altLang="ja-JP" sz="1400" dirty="0"/>
+              <a:t>y</a:t>
+            </a:r>
+            <a:r>
+              <a:rPr lang="ja-JP" altLang="en-US" sz="1400" dirty="0"/>
+              <a:t>軸に株価を設定</a:t>
+            </a:r>
+            <a:br>
+              <a:rPr lang="en-US" altLang="ja-JP" sz="1400" dirty="0"/>
+            </a:br>
+            <a:r>
+              <a:rPr lang="en-US" altLang="ja-JP" sz="1400" dirty="0"/>
+              <a:t> 7) </a:t>
+            </a:r>
+            <a:r>
+              <a:rPr lang="ja-JP" altLang="en-US" sz="1400" dirty="0"/>
+              <a:t>二番目の</a:t>
+            </a:r>
+            <a:r>
+              <a:rPr lang="en-US" altLang="ja-JP" sz="1400" dirty="0"/>
+              <a:t>graph</a:t>
+            </a:r>
+            <a:r>
+              <a:rPr lang="ja-JP" altLang="en-US" sz="1400" dirty="0"/>
+              <a:t>は</a:t>
+            </a:r>
+            <a:r>
+              <a:rPr lang="en-US" altLang="ja-JP" sz="1400" dirty="0"/>
+              <a:t>x</a:t>
+            </a:r>
+            <a:r>
+              <a:rPr lang="ja-JP" altLang="en-US" sz="1400" dirty="0"/>
+              <a:t>軸に日を</a:t>
+            </a:r>
+            <a:r>
+              <a:rPr lang="en-US" altLang="ja-JP" sz="1400" dirty="0"/>
+              <a:t>y</a:t>
+            </a:r>
+            <a:r>
+              <a:rPr lang="ja-JP" altLang="en-US" sz="1400" dirty="0"/>
+              <a:t>軸に取引量を設定</a:t>
+            </a:r>
+            <a:br>
+              <a:rPr lang="en-US" altLang="ja-JP" sz="1400" dirty="0"/>
+            </a:br>
+            <a:r>
+              <a:rPr lang="en-US" altLang="ja-JP" sz="1400" dirty="0"/>
+              <a:t> 8) legend</a:t>
+            </a:r>
+            <a:r>
+              <a:rPr lang="ja-JP" altLang="en-US" sz="1400" dirty="0"/>
+              <a:t>で</a:t>
+            </a:r>
+            <a:r>
+              <a:rPr lang="en-US" altLang="ja-JP" sz="1400" dirty="0"/>
+              <a:t>label</a:t>
+            </a:r>
+            <a:r>
+              <a:rPr lang="ja-JP" altLang="en-US" sz="1400" dirty="0"/>
+              <a:t>を設定して</a:t>
+            </a:r>
+            <a:r>
+              <a:rPr lang="en-US" altLang="ja-JP" sz="1400" dirty="0"/>
+              <a:t>graph</a:t>
+            </a:r>
+            <a:r>
+              <a:rPr lang="ja-JP" altLang="en-US" sz="1400" dirty="0"/>
+              <a:t>を</a:t>
+            </a:r>
+            <a:r>
+              <a:rPr lang="en-US" altLang="ja-JP" sz="1400" dirty="0"/>
+              <a:t>jpg</a:t>
+            </a:r>
+            <a:r>
+              <a:rPr lang="ja-JP" altLang="en-US" sz="1400" dirty="0"/>
+              <a:t>ファイルに</a:t>
+            </a:r>
+            <a:br>
+              <a:rPr lang="en-US" altLang="ja-JP" sz="1400" dirty="0"/>
+            </a:br>
+            <a:r>
+              <a:rPr lang="ja-JP" altLang="en-US" sz="1400" dirty="0"/>
+              <a:t>　  保存し画面に表示する</a:t>
+            </a:r>
+            <a:br>
+              <a:rPr lang="en-US" altLang="ja-JP" sz="1400" dirty="0"/>
+            </a:br>
+            <a:r>
+              <a:rPr lang="ja-JP" altLang="en-US" sz="1400" dirty="0"/>
+              <a:t> </a:t>
+            </a:r>
+            <a:r>
+              <a:rPr lang="en-US" altLang="ja-JP" sz="1400" dirty="0"/>
+              <a:t>9) log</a:t>
+            </a:r>
+            <a:r>
+              <a:rPr lang="ja-JP" altLang="en-US" sz="1400" dirty="0"/>
+              <a:t>に記録して終了</a:t>
+            </a:r>
+            <a:br>
+              <a:rPr lang="en-US" altLang="ko-KR" sz="1400" dirty="0"/>
+            </a:br>
+            <a:endParaRPr lang="en-US" altLang="ko-KR" sz="1400" dirty="0"/>
+          </a:p>
+        </p:txBody>
+      </p:sp>
+      <p:pic>
+        <p:nvPicPr>
+          <p:cNvPr id="4" name="그림 3">
+            <a:extLst>
+              <a:ext uri="{FF2B5EF4-FFF2-40B4-BE49-F238E27FC236}">
+                <a16:creationId xmlns:a16="http://schemas.microsoft.com/office/drawing/2014/main" id="{0CDBA9FC-1349-405D-A016-12C655868D34}"/>
+              </a:ext>
+            </a:extLst>
+          </p:cNvPr>
+          <p:cNvPicPr>
+            <a:picLocks noChangeAspect="1"/>
+          </p:cNvPicPr>
+          <p:nvPr/>
+        </p:nvPicPr>
+        <p:blipFill>
+          <a:blip r:embed="rId3"/>
+          <a:stretch>
+            <a:fillRect/>
+          </a:stretch>
+        </p:blipFill>
+        <p:spPr>
+          <a:xfrm>
+            <a:off x="2589212" y="1264133"/>
+            <a:ext cx="3362008" cy="781050"/>
+          </a:xfrm>
+          <a:prstGeom prst="rect">
+            <a:avLst/>
+          </a:prstGeom>
+        </p:spPr>
+      </p:pic>
+    </p:spTree>
+    <p:extLst>
+      <p:ext uri="{BB962C8B-B14F-4D97-AF65-F5344CB8AC3E}">
+        <p14:creationId xmlns:p14="http://schemas.microsoft.com/office/powerpoint/2010/main" val="3920904197"/>
+      </p:ext>
+    </p:extLst>
+  </p:cSld>
+  <p:clrMapOvr>
+    <a:masterClrMapping/>
+  </p:clrMapOvr>
+</p:sld>
+</file>
+
+<file path=ppt/slides/slide16.xml><?xml version="1.0" encoding="utf-8"?>
+<p:sld xmlns:a="http://schemas.openxmlformats.org/drawingml/2006/main" xmlns:r="http://schemas.openxmlformats.org/officeDocument/2006/relationships" xmlns:p="http://schemas.openxmlformats.org/presentationml/2006/main">
+  <p:cSld>
+    <p:spTree>
+      <p:nvGrpSpPr>
+        <p:cNvPr id="1" name=""/>
+        <p:cNvGrpSpPr/>
+        <p:nvPr/>
+      </p:nvGrpSpPr>
+      <p:grpSpPr>
+        <a:xfrm>
+          <a:off x="0" y="0"/>
+          <a:ext cx="0" cy="0"/>
+          <a:chOff x="0" y="0"/>
+          <a:chExt cx="0" cy="0"/>
+        </a:xfrm>
+      </p:grpSpPr>
+      <p:pic>
+        <p:nvPicPr>
+          <p:cNvPr id="6" name="내용 개체 틀 5">
+            <a:extLst>
+              <a:ext uri="{FF2B5EF4-FFF2-40B4-BE49-F238E27FC236}">
+                <a16:creationId xmlns:a16="http://schemas.microsoft.com/office/drawing/2014/main" id="{A57940F5-1189-400F-88D6-1DF4EAA7CF76}"/>
+              </a:ext>
+            </a:extLst>
+          </p:cNvPr>
+          <p:cNvPicPr>
+            <a:picLocks noGrp="1" noChangeAspect="1"/>
+          </p:cNvPicPr>
+          <p:nvPr>
+            <p:ph idx="1"/>
+          </p:nvPr>
+        </p:nvPicPr>
+        <p:blipFill>
+          <a:blip r:embed="rId2"/>
+          <a:stretch>
+            <a:fillRect/>
+          </a:stretch>
+        </p:blipFill>
+        <p:spPr>
+          <a:xfrm>
+            <a:off x="2589212" y="1454513"/>
+            <a:ext cx="8414480" cy="1659064"/>
+          </a:xfrm>
+        </p:spPr>
+      </p:pic>
+      <p:sp>
+        <p:nvSpPr>
+          <p:cNvPr id="4" name="제목 1">
+            <a:extLst>
+              <a:ext uri="{FF2B5EF4-FFF2-40B4-BE49-F238E27FC236}">
+                <a16:creationId xmlns:a16="http://schemas.microsoft.com/office/drawing/2014/main" id="{B89B897F-006E-4B07-82C5-3143458027F4}"/>
+              </a:ext>
+            </a:extLst>
+          </p:cNvPr>
+          <p:cNvSpPr>
+            <a:spLocks noGrp="1"/>
+          </p:cNvSpPr>
+          <p:nvPr>
+            <p:ph type="title"/>
+          </p:nvPr>
+        </p:nvSpPr>
+        <p:spPr>
+          <a:xfrm>
+            <a:off x="2589212" y="88079"/>
+            <a:ext cx="8911687" cy="630101"/>
+          </a:xfrm>
+        </p:spPr>
+        <p:txBody>
+          <a:bodyPr>
+            <a:normAutofit fontScale="90000"/>
+          </a:bodyPr>
+          <a:lstStyle/>
+          <a:p>
+            <a:r>
+              <a:rPr lang="ja-JP" altLang="en-US" dirty="0"/>
+              <a:t>コードの解説</a:t>
+            </a:r>
+            <a:br>
+              <a:rPr lang="en-US" altLang="ja-JP" dirty="0"/>
+            </a:br>
+            <a:br>
+              <a:rPr lang="en-US" altLang="ja-JP" sz="600" dirty="0"/>
+            </a:br>
+            <a:r>
+              <a:rPr lang="en-US" altLang="ja-JP" dirty="0"/>
+              <a:t>7. kabuconfig.py</a:t>
+            </a:r>
+            <a:br>
+              <a:rPr lang="ko-KR" altLang="en-US" dirty="0"/>
+            </a:br>
+            <a:endParaRPr lang="ko-KR" altLang="en-US" dirty="0"/>
+          </a:p>
+        </p:txBody>
+      </p:sp>
+      <p:sp>
+        <p:nvSpPr>
+          <p:cNvPr id="10" name="TextBox 9">
+            <a:extLst>
+              <a:ext uri="{FF2B5EF4-FFF2-40B4-BE49-F238E27FC236}">
+                <a16:creationId xmlns:a16="http://schemas.microsoft.com/office/drawing/2014/main" id="{E41D5249-7D6A-4054-86FC-17EC8AD6B8AA}"/>
+              </a:ext>
+            </a:extLst>
+          </p:cNvPr>
+          <p:cNvSpPr txBox="1"/>
+          <p:nvPr/>
+        </p:nvSpPr>
+        <p:spPr>
+          <a:xfrm>
+            <a:off x="2589212" y="3206732"/>
+            <a:ext cx="8414480" cy="2756909"/>
+          </a:xfrm>
+          <a:prstGeom prst="rect">
+            <a:avLst/>
+          </a:prstGeom>
+          <a:noFill/>
+        </p:spPr>
+        <p:txBody>
+          <a:bodyPr wrap="square" rtlCol="0">
+            <a:spAutoFit/>
+          </a:bodyPr>
+          <a:lstStyle/>
+          <a:p>
+            <a:pPr marL="342900" indent="-342900">
+              <a:lnSpc>
+                <a:spcPct val="130000"/>
+              </a:lnSpc>
+              <a:buAutoNum type="arabicPeriod"/>
+            </a:pPr>
+            <a:r>
+              <a:rPr lang="ja-JP" altLang="en-US" dirty="0"/>
+              <a:t>変数</a:t>
+            </a:r>
+            <a:br>
+              <a:rPr lang="en-US" altLang="ja-JP" dirty="0"/>
+            </a:br>
+            <a:r>
+              <a:rPr lang="en-US" altLang="ja-JP" sz="1400" dirty="0"/>
+              <a:t>- logger</a:t>
+            </a:r>
+            <a:r>
+              <a:rPr lang="en-US" altLang="ko-KR" sz="1400" dirty="0"/>
+              <a:t> </a:t>
+            </a:r>
+            <a:r>
+              <a:rPr lang="en-US" altLang="ja-JP" sz="1400" dirty="0"/>
+              <a:t>: log</a:t>
+            </a:r>
+            <a:r>
+              <a:rPr lang="ja-JP" altLang="en-US" sz="1400" dirty="0"/>
+              <a:t>を</a:t>
+            </a:r>
+            <a:r>
+              <a:rPr lang="en-US" altLang="ja-JP" sz="1400" dirty="0"/>
+              <a:t>lib</a:t>
+            </a:r>
+            <a:r>
+              <a:rPr lang="ja-JP" altLang="en-US" sz="1400" dirty="0"/>
+              <a:t>から呼んで定義</a:t>
+            </a:r>
+            <a:br>
+              <a:rPr lang="en-US" altLang="ja-JP" sz="1400" dirty="0"/>
+            </a:br>
+            <a:r>
+              <a:rPr lang="en-US" altLang="ja-JP" sz="1400" dirty="0"/>
+              <a:t>- </a:t>
+            </a:r>
+            <a:r>
+              <a:rPr lang="en-US" altLang="ko-KR" sz="1400" dirty="0"/>
+              <a:t>formatter</a:t>
+            </a:r>
+            <a:r>
+              <a:rPr lang="en-US" altLang="ja-JP" sz="1400" dirty="0"/>
+              <a:t> : log</a:t>
+            </a:r>
+            <a:r>
+              <a:rPr lang="ja-JP" altLang="en-US" sz="1400" dirty="0"/>
+              <a:t>の記録形式定義</a:t>
+            </a:r>
+            <a:br>
+              <a:rPr lang="en-US" altLang="ja-JP" sz="1400" dirty="0"/>
+            </a:br>
+            <a:r>
+              <a:rPr lang="en-US" altLang="ja-JP" sz="1400" dirty="0"/>
+              <a:t>- </a:t>
+            </a:r>
+            <a:r>
+              <a:rPr lang="en-US" altLang="ja-JP" sz="1400" dirty="0" err="1"/>
+              <a:t>file_handler</a:t>
+            </a:r>
+            <a:r>
+              <a:rPr lang="en-US" altLang="ja-JP" sz="1400" dirty="0"/>
+              <a:t> : log</a:t>
+            </a:r>
+            <a:r>
+              <a:rPr lang="ja-JP" altLang="en-US" sz="1400" dirty="0"/>
+              <a:t>ファイルを作る</a:t>
+            </a:r>
+            <a:r>
+              <a:rPr lang="en-US" altLang="ja-JP" sz="1400" dirty="0"/>
+              <a:t>handler</a:t>
+            </a:r>
+            <a:r>
+              <a:rPr lang="ja-JP" altLang="en-US" sz="1400" dirty="0"/>
+              <a:t>定義</a:t>
+            </a:r>
+            <a:endParaRPr lang="en-US" altLang="ja-JP" sz="1400" dirty="0"/>
+          </a:p>
+          <a:p>
+            <a:pPr marL="342900" indent="-342900">
+              <a:lnSpc>
+                <a:spcPct val="130000"/>
+              </a:lnSpc>
+              <a:buAutoNum type="arabicPeriod"/>
+            </a:pPr>
+            <a:r>
+              <a:rPr lang="ja-JP" altLang="en-US" dirty="0"/>
+              <a:t>コードの流れ</a:t>
+            </a:r>
+            <a:br>
+              <a:rPr lang="en-US" altLang="ja-JP" dirty="0"/>
+            </a:br>
+            <a:r>
+              <a:rPr lang="en-US" altLang="ja-JP" sz="1400" dirty="0"/>
+              <a:t>1) lib</a:t>
+            </a:r>
+            <a:r>
+              <a:rPr lang="ja-JP" altLang="en-US" sz="1400" dirty="0"/>
+              <a:t>の</a:t>
+            </a:r>
+            <a:r>
+              <a:rPr lang="en-US" altLang="ja-JP" sz="1400" dirty="0"/>
+              <a:t>log</a:t>
+            </a:r>
+            <a:r>
+              <a:rPr lang="ja-JP" altLang="en-US" sz="1400" dirty="0"/>
+              <a:t>を呼んで</a:t>
+            </a:r>
+            <a:r>
+              <a:rPr lang="en-US" altLang="ja-JP" sz="1400" dirty="0"/>
+              <a:t>logger</a:t>
+            </a:r>
+            <a:r>
+              <a:rPr lang="ja-JP" altLang="en-US" sz="1400" dirty="0"/>
+              <a:t>に定義</a:t>
+            </a:r>
+            <a:br>
+              <a:rPr lang="en-US" altLang="ja-JP" sz="1400" dirty="0"/>
+            </a:br>
+            <a:r>
+              <a:rPr lang="en-US" altLang="ja-JP" sz="1400" dirty="0"/>
+              <a:t>2) log</a:t>
+            </a:r>
+            <a:r>
+              <a:rPr lang="ja-JP" altLang="en-US" sz="1400" dirty="0"/>
+              <a:t>記録</a:t>
+            </a:r>
+            <a:r>
+              <a:rPr lang="en-US" altLang="ja-JP" sz="1400" dirty="0"/>
+              <a:t>level</a:t>
+            </a:r>
+            <a:r>
+              <a:rPr lang="ja-JP" altLang="en-US" sz="1400" dirty="0"/>
+              <a:t>をセット</a:t>
+            </a:r>
+            <a:br>
+              <a:rPr lang="en-US" altLang="ja-JP" sz="1400" dirty="0"/>
+            </a:br>
+            <a:r>
+              <a:rPr lang="en-US" altLang="ja-JP" sz="1400" dirty="0"/>
+              <a:t>3) </a:t>
+            </a:r>
+            <a:r>
+              <a:rPr lang="ja-JP" altLang="en-US" sz="1400" dirty="0"/>
+              <a:t>記録形式を定義</a:t>
+            </a:r>
+            <a:br>
+              <a:rPr lang="en-US" altLang="ja-JP" sz="1400" dirty="0"/>
+            </a:br>
+            <a:r>
+              <a:rPr lang="en-US" altLang="ja-JP" sz="1400" dirty="0"/>
+              <a:t>4) </a:t>
+            </a:r>
+            <a:r>
+              <a:rPr lang="ja-JP" altLang="en-US" sz="1400" dirty="0"/>
+              <a:t>保存するファイルの名前と</a:t>
+            </a:r>
+            <a:r>
+              <a:rPr lang="en-US" altLang="ja-JP" sz="1400" dirty="0"/>
+              <a:t>encoding</a:t>
+            </a:r>
+            <a:r>
+              <a:rPr lang="ja-JP" altLang="en-US" sz="1400" dirty="0"/>
+              <a:t>形式を定義</a:t>
+            </a:r>
+            <a:endParaRPr lang="en-US" altLang="ja-JP" sz="1400" dirty="0"/>
+          </a:p>
+        </p:txBody>
+      </p:sp>
+    </p:spTree>
+    <p:extLst>
+      <p:ext uri="{BB962C8B-B14F-4D97-AF65-F5344CB8AC3E}">
+        <p14:creationId xmlns:p14="http://schemas.microsoft.com/office/powerpoint/2010/main" val="1109766288"/>
       </p:ext>
     </p:extLst>
   </p:cSld>
@@ -9139,14 +11615,6 @@
             </a:r>
             <a:r>
               <a:rPr lang="ja-JP" altLang="en-US" dirty="0"/>
-              <a:t>の</a:t>
-            </a:r>
-            <a:r>
-              <a:rPr lang="en-US" altLang="ja-JP" dirty="0"/>
-              <a:t>terminal</a:t>
-            </a:r>
-            <a:r>
-              <a:rPr lang="ja-JP" altLang="en-US" dirty="0"/>
               <a:t>や</a:t>
             </a:r>
             <a:r>
@@ -9249,7 +11717,7 @@
                   <a:srgbClr val="0070C0"/>
                 </a:solidFill>
               </a:rPr>
-              <a:t>日付（</a:t>
+              <a:t>探したい日（</a:t>
             </a:r>
             <a:r>
               <a:rPr lang="en-US" altLang="ja-JP" dirty="0" err="1">
@@ -9365,7 +11833,7 @@
             </a:r>
             <a:r>
               <a:rPr lang="ja-JP" altLang="en-US" dirty="0"/>
-              <a:t>を描く</a:t>
+              <a:t>を描いた</a:t>
             </a:r>
             <a:r>
               <a:rPr lang="en-US" altLang="ja-JP" dirty="0"/>
@@ -9677,7 +12145,7 @@
             </a:r>
             <a:r>
               <a:rPr lang="ja-JP" altLang="en-US" sz="1200" dirty="0"/>
-              <a:t>株価と取引量を描く</a:t>
+              <a:t>株価と取引量を描いた</a:t>
             </a:r>
             <a:r>
               <a:rPr lang="en-US" altLang="ja-JP" sz="1200" dirty="0"/>
@@ -10170,8 +12638,19 @@
               <a:t>コードの解説</a:t>
             </a:r>
             <a:br>
-              <a:rPr lang="ko-KR" altLang="en-US" dirty="0"/>
+              <a:rPr lang="en-US" altLang="ja-JP" dirty="0"/>
             </a:br>
+            <a:br>
+              <a:rPr lang="en-US" altLang="ja-JP" sz="600" dirty="0"/>
+            </a:br>
+            <a:r>
+              <a:rPr lang="en-US" altLang="ja-JP" dirty="0"/>
+              <a:t>1. module</a:t>
+            </a:r>
+            <a:r>
+              <a:rPr lang="ja-JP" altLang="en-US" dirty="0"/>
+              <a:t>とグローバル変数</a:t>
+            </a:r>
             <a:endParaRPr lang="ko-KR" altLang="en-US" dirty="0"/>
           </a:p>
         </p:txBody>
@@ -10200,7 +12679,7 @@
         </p:blipFill>
         <p:spPr>
           <a:xfrm>
-            <a:off x="2609335" y="1383956"/>
+            <a:off x="2569089" y="1452227"/>
             <a:ext cx="8326396" cy="1377785"/>
           </a:xfrm>
         </p:spPr>
@@ -10219,8 +12698,8 @@
         </p:nvSpPr>
         <p:spPr>
           <a:xfrm>
-            <a:off x="2589212" y="2959552"/>
-            <a:ext cx="8346519" cy="1557349"/>
+            <a:off x="2569089" y="3429000"/>
+            <a:ext cx="8346519" cy="1556580"/>
           </a:xfrm>
           <a:prstGeom prst="rect">
             <a:avLst/>
@@ -10235,95 +12714,95 @@
           <a:p>
             <a:pPr marL="342900" indent="-342900">
               <a:lnSpc>
-                <a:spcPct val="120000"/>
+                <a:spcPct val="130000"/>
               </a:lnSpc>
               <a:buAutoNum type="arabicPeriod"/>
             </a:pPr>
             <a:r>
-              <a:rPr lang="ja-JP" altLang="en-US" sz="1600" dirty="0"/>
-              <a:t>変数</a:t>
+              <a:rPr lang="ja-JP" altLang="en-US" dirty="0"/>
+              <a:t>グローバル変数</a:t>
             </a:r>
             <a:br>
               <a:rPr lang="en-US" altLang="ja-JP" sz="1600" dirty="0"/>
             </a:br>
             <a:r>
-              <a:rPr lang="en-US" altLang="ja-JP" sz="1600" dirty="0"/>
+              <a:rPr lang="en-US" altLang="ja-JP" sz="1400" dirty="0"/>
               <a:t>-</a:t>
             </a:r>
             <a:r>
-              <a:rPr lang="ko-KR" altLang="en-US" sz="1600" dirty="0"/>
+              <a:rPr lang="ko-KR" altLang="en-US" sz="1400" dirty="0"/>
               <a:t> </a:t>
             </a:r>
             <a:r>
-              <a:rPr lang="en-US" altLang="ko-KR" sz="1600" dirty="0" err="1"/>
+              <a:rPr lang="en-US" altLang="ko-KR" sz="1400" dirty="0" err="1"/>
               <a:t>holyday_list</a:t>
             </a:r>
             <a:r>
-              <a:rPr lang="en-US" altLang="ko-KR" sz="1600" dirty="0"/>
+              <a:rPr lang="en-US" altLang="ko-KR" sz="1400" dirty="0"/>
               <a:t> : </a:t>
             </a:r>
             <a:r>
-              <a:rPr lang="ja-JP" altLang="en-US" sz="1600" dirty="0"/>
+              <a:rPr lang="ja-JP" altLang="en-US" sz="1400" dirty="0"/>
               <a:t>公休日を</a:t>
             </a:r>
             <a:r>
-              <a:rPr lang="en-US" altLang="ja-JP" sz="1600" dirty="0"/>
+              <a:rPr lang="en-US" altLang="ja-JP" sz="1400" dirty="0"/>
               <a:t>list</a:t>
             </a:r>
             <a:r>
-              <a:rPr lang="ja-JP" altLang="en-US" sz="1600" dirty="0"/>
+              <a:rPr lang="ja-JP" altLang="en-US" sz="1400" dirty="0"/>
               <a:t>で保存</a:t>
             </a:r>
             <a:br>
-              <a:rPr lang="en-US" altLang="ko-KR" sz="1600" dirty="0"/>
+              <a:rPr lang="en-US" altLang="ko-KR" sz="1400" dirty="0"/>
             </a:br>
             <a:r>
-              <a:rPr lang="en-US" altLang="ko-KR" sz="1600" dirty="0"/>
+              <a:rPr lang="en-US" altLang="ko-KR" sz="1400" dirty="0"/>
               <a:t>- todays : </a:t>
             </a:r>
             <a:r>
-              <a:rPr lang="ja-JP" altLang="en-US" sz="1600" dirty="0"/>
+              <a:rPr lang="ja-JP" altLang="en-US" sz="1400" dirty="0"/>
               <a:t>今日の日付を確認</a:t>
             </a:r>
             <a:br>
-              <a:rPr lang="en-US" altLang="ko-KR" sz="1600" dirty="0"/>
+              <a:rPr lang="en-US" altLang="ko-KR" sz="1400" dirty="0"/>
             </a:br>
             <a:r>
-              <a:rPr lang="en-US" altLang="ko-KR" sz="1600" dirty="0"/>
+              <a:rPr lang="en-US" altLang="ko-KR" sz="1400" dirty="0"/>
               <a:t>- __headers : </a:t>
             </a:r>
             <a:r>
-              <a:rPr lang="en-US" altLang="ja-JP" sz="1600" dirty="0"/>
+              <a:rPr lang="en-US" altLang="ja-JP" sz="1400" dirty="0"/>
               <a:t>crawling</a:t>
             </a:r>
             <a:r>
-              <a:rPr lang="ja-JP" altLang="en-US" sz="1600" dirty="0"/>
+              <a:rPr lang="ja-JP" altLang="en-US" sz="1400" dirty="0"/>
               <a:t>する時接続に使う</a:t>
             </a:r>
             <a:r>
-              <a:rPr lang="en-US" altLang="ja-JP" sz="1600" dirty="0"/>
+              <a:rPr lang="en-US" altLang="ja-JP" sz="1400" dirty="0"/>
               <a:t>header</a:t>
             </a:r>
             <a:br>
-              <a:rPr lang="en-US" altLang="ja-JP" sz="1600" dirty="0"/>
+              <a:rPr lang="en-US" altLang="ja-JP" sz="1400" dirty="0"/>
             </a:br>
             <a:r>
-              <a:rPr lang="en-US" altLang="ja-JP" sz="1600" dirty="0"/>
+              <a:rPr lang="en-US" altLang="ja-JP" sz="1400" dirty="0"/>
               <a:t>- logger : log</a:t>
             </a:r>
             <a:r>
-              <a:rPr lang="ja-JP" altLang="en-US" sz="1600" dirty="0"/>
+              <a:rPr lang="ja-JP" altLang="en-US" sz="1400" dirty="0"/>
               <a:t>を記録するため</a:t>
             </a:r>
             <a:r>
-              <a:rPr lang="en-US" altLang="ja-JP" sz="1600" dirty="0"/>
+              <a:rPr lang="en-US" altLang="ja-JP" sz="1400" dirty="0"/>
               <a:t>log</a:t>
             </a:r>
             <a:r>
-              <a:rPr lang="ja-JP" altLang="en-US" sz="1600" dirty="0"/>
-              <a:t>形式を定義したファイルを呼ふ</a:t>
-            </a:r>
-            <a:endParaRPr lang="en-US" altLang="ko-KR" sz="1600" dirty="0"/>
+              <a:rPr lang="ja-JP" altLang="en-US" sz="1400" dirty="0"/>
+              <a:t>形式を定義したファイルを呼ぶ</a:t>
+            </a:r>
+            <a:endParaRPr lang="en-US" altLang="ko-KR" sz="1400" dirty="0"/>
           </a:p>
         </p:txBody>
       </p:sp>
@@ -10390,8 +12869,19 @@
               <a:t>コードの解説</a:t>
             </a:r>
             <a:br>
-              <a:rPr lang="ko-KR" altLang="en-US" dirty="0"/>
+              <a:rPr lang="en-US" altLang="ja-JP" dirty="0"/>
             </a:br>
+            <a:br>
+              <a:rPr lang="en-US" altLang="ja-JP" sz="600" dirty="0"/>
+            </a:br>
+            <a:r>
+              <a:rPr lang="en-US" altLang="ja-JP" dirty="0"/>
+              <a:t>2. main</a:t>
+            </a:r>
+            <a:r>
+              <a:rPr lang="ja-JP" altLang="en-US" dirty="0"/>
+              <a:t>関数</a:t>
+            </a:r>
             <a:endParaRPr lang="ko-KR" altLang="en-US" dirty="0"/>
           </a:p>
         </p:txBody>
@@ -10420,8 +12910,8 @@
         </p:blipFill>
         <p:spPr>
           <a:xfrm>
-            <a:off x="2609335" y="718177"/>
-            <a:ext cx="8326396" cy="2704756"/>
+            <a:off x="2589212" y="1171906"/>
+            <a:ext cx="4056608" cy="5457494"/>
           </a:xfrm>
         </p:spPr>
       </p:pic>
@@ -10439,8 +12929,8 @@
         </p:nvSpPr>
         <p:spPr>
           <a:xfrm>
-            <a:off x="2589212" y="3422933"/>
-            <a:ext cx="8346519" cy="3034677"/>
+            <a:off x="6645821" y="1171906"/>
+            <a:ext cx="5546179" cy="2956963"/>
           </a:xfrm>
           <a:prstGeom prst="rect">
             <a:avLst/>
@@ -10455,218 +12945,218 @@
           <a:p>
             <a:pPr marL="342900" indent="-342900">
               <a:lnSpc>
-                <a:spcPct val="120000"/>
+                <a:spcPct val="130000"/>
               </a:lnSpc>
               <a:buAutoNum type="arabicPeriod"/>
             </a:pPr>
             <a:r>
-              <a:rPr lang="ja-JP" altLang="en-US" sz="1600" dirty="0"/>
+              <a:rPr lang="ja-JP" altLang="en-US" dirty="0"/>
               <a:t>変数</a:t>
             </a:r>
             <a:br>
               <a:rPr lang="en-US" altLang="ja-JP" sz="1600" dirty="0"/>
             </a:br>
             <a:r>
-              <a:rPr lang="en-US" altLang="ja-JP" sz="1600" dirty="0"/>
+              <a:rPr lang="en-US" altLang="ja-JP" sz="1400" dirty="0"/>
               <a:t>-</a:t>
             </a:r>
             <a:r>
-              <a:rPr lang="ko-KR" altLang="en-US" sz="1600" dirty="0"/>
+              <a:rPr lang="ko-KR" altLang="en-US" sz="1400" dirty="0"/>
               <a:t> </a:t>
             </a:r>
             <a:r>
-              <a:rPr lang="en-US" altLang="ko-KR" sz="1600" dirty="0" err="1"/>
+              <a:rPr lang="en-US" altLang="ko-KR" sz="1400" dirty="0" err="1"/>
               <a:t>args</a:t>
             </a:r>
             <a:r>
-              <a:rPr lang="en-US" altLang="ko-KR" sz="1600" dirty="0"/>
+              <a:rPr lang="en-US" altLang="ko-KR" sz="1400" dirty="0"/>
               <a:t> : </a:t>
             </a:r>
             <a:r>
-              <a:rPr lang="ja-JP" altLang="en-US" sz="1600" dirty="0"/>
+              <a:rPr lang="ja-JP" altLang="en-US" sz="1400" dirty="0"/>
               <a:t>パラメーターを保存</a:t>
             </a:r>
             <a:br>
-              <a:rPr lang="en-US" altLang="ko-KR" sz="1600" dirty="0"/>
+              <a:rPr lang="en-US" altLang="ko-KR" sz="1400" dirty="0"/>
             </a:br>
             <a:r>
-              <a:rPr lang="en-US" altLang="ko-KR" sz="1600" dirty="0"/>
+              <a:rPr lang="en-US" altLang="ko-KR" sz="1400" dirty="0"/>
               <a:t>- </a:t>
             </a:r>
             <a:r>
-              <a:rPr lang="en-US" altLang="ko-KR" sz="1600" dirty="0" err="1"/>
+              <a:rPr lang="en-US" altLang="ko-KR" sz="1400" dirty="0" err="1"/>
               <a:t>kabunames</a:t>
             </a:r>
             <a:r>
-              <a:rPr lang="en-US" altLang="ko-KR" sz="1600" dirty="0"/>
+              <a:rPr lang="en-US" altLang="ko-KR" sz="1400" dirty="0"/>
               <a:t> : </a:t>
             </a:r>
             <a:r>
-              <a:rPr lang="ja-JP" altLang="en-US" sz="1600" dirty="0"/>
+              <a:rPr lang="ja-JP" altLang="en-US" sz="1400" dirty="0"/>
               <a:t>会社の名前を保存</a:t>
             </a:r>
             <a:br>
-              <a:rPr lang="en-US" altLang="ko-KR" sz="1600" dirty="0"/>
+              <a:rPr lang="en-US" altLang="ko-KR" sz="1400" dirty="0"/>
             </a:br>
             <a:r>
-              <a:rPr lang="en-US" altLang="ko-KR" sz="1600" dirty="0"/>
+              <a:rPr lang="en-US" altLang="ko-KR" sz="1400" dirty="0"/>
               <a:t>- </a:t>
             </a:r>
             <a:r>
-              <a:rPr lang="en-US" altLang="ko-KR" sz="1600" dirty="0" err="1"/>
+              <a:rPr lang="en-US" altLang="ko-KR" sz="1400" dirty="0" err="1"/>
               <a:t>inputdays</a:t>
             </a:r>
             <a:r>
-              <a:rPr lang="en-US" altLang="ko-KR" sz="1600" dirty="0"/>
+              <a:rPr lang="en-US" altLang="ko-KR" sz="1400" dirty="0"/>
               <a:t> : </a:t>
             </a:r>
             <a:r>
-              <a:rPr lang="ja-JP" altLang="en-US" sz="1600" dirty="0"/>
+              <a:rPr lang="ja-JP" altLang="en-US" sz="1400" dirty="0"/>
               <a:t>日付を保存</a:t>
             </a:r>
             <a:br>
-              <a:rPr lang="en-US" altLang="ko-KR" sz="1600" dirty="0"/>
+              <a:rPr lang="en-US" altLang="ko-KR" sz="1400" dirty="0"/>
             </a:br>
             <a:r>
-              <a:rPr lang="en-US" altLang="ko-KR" sz="1600" dirty="0"/>
+              <a:rPr lang="en-US" altLang="ko-KR" sz="1400" dirty="0"/>
               <a:t>- filename :</a:t>
             </a:r>
             <a:r>
-              <a:rPr lang="ja-JP" altLang="en-US" sz="1600" dirty="0"/>
+              <a:rPr lang="ja-JP" altLang="en-US" sz="1400" dirty="0"/>
               <a:t> </a:t>
             </a:r>
             <a:r>
-              <a:rPr lang="en-US" altLang="ja-JP" sz="1600" dirty="0"/>
+              <a:rPr lang="en-US" altLang="ja-JP" sz="1400" dirty="0"/>
               <a:t>csv</a:t>
             </a:r>
             <a:r>
-              <a:rPr lang="ja-JP" altLang="en-US" sz="1600" dirty="0"/>
+              <a:rPr lang="ja-JP" altLang="en-US" sz="1400" dirty="0"/>
               <a:t>ファイルの名前</a:t>
             </a:r>
             <a:br>
-              <a:rPr lang="en-US" altLang="ko-KR" sz="1600" dirty="0"/>
+              <a:rPr lang="en-US" altLang="ko-KR" sz="1400" dirty="0"/>
             </a:br>
             <a:r>
-              <a:rPr lang="en-US" altLang="ko-KR" sz="1600" dirty="0"/>
+              <a:rPr lang="en-US" altLang="ko-KR" sz="1400" dirty="0"/>
               <a:t>- checking : </a:t>
             </a:r>
             <a:r>
-              <a:rPr lang="en-US" altLang="ja-JP" sz="1600" dirty="0" err="1"/>
+              <a:rPr lang="en-US" altLang="ja-JP" sz="1400" dirty="0" err="1"/>
               <a:t>kabuname</a:t>
             </a:r>
             <a:r>
-              <a:rPr lang="ja-JP" altLang="en-US" sz="1600" dirty="0"/>
+              <a:rPr lang="ja-JP" altLang="en-US" sz="1400" dirty="0"/>
               <a:t>と</a:t>
             </a:r>
             <a:r>
-              <a:rPr lang="en-US" altLang="ja-JP" sz="1600" dirty="0" err="1"/>
+              <a:rPr lang="en-US" altLang="ja-JP" sz="1400" dirty="0" err="1"/>
               <a:t>inpudays</a:t>
             </a:r>
             <a:r>
-              <a:rPr lang="ja-JP" altLang="en-US" sz="1600" dirty="0"/>
+              <a:rPr lang="ja-JP" altLang="en-US" sz="1400" dirty="0"/>
               <a:t>の入力異常を確認す関数</a:t>
             </a:r>
             <a:br>
-              <a:rPr lang="en-US" altLang="ko-KR" sz="1600" dirty="0"/>
+              <a:rPr lang="en-US" altLang="ko-KR" sz="1400" dirty="0"/>
             </a:br>
             <a:r>
-              <a:rPr lang="en-US" altLang="ko-KR" sz="1600" dirty="0"/>
+              <a:rPr lang="en-US" altLang="ko-KR" sz="1400" dirty="0"/>
               <a:t>- </a:t>
             </a:r>
             <a:r>
-              <a:rPr lang="en-US" altLang="ko-KR" sz="1600" dirty="0" err="1"/>
+              <a:rPr lang="en-US" altLang="ko-KR" sz="1400" dirty="0" err="1"/>
               <a:t>search_date</a:t>
             </a:r>
             <a:r>
-              <a:rPr lang="en-US" altLang="ko-KR" sz="1600" dirty="0"/>
+              <a:rPr lang="en-US" altLang="ko-KR" sz="1400" dirty="0"/>
               <a:t> : </a:t>
             </a:r>
             <a:r>
-              <a:rPr lang="ja-JP" altLang="en-US" sz="1600" dirty="0"/>
+              <a:rPr lang="ja-JP" altLang="en-US" sz="1400" dirty="0"/>
               <a:t>休日を確認して平日に変える関数</a:t>
             </a:r>
             <a:br>
-              <a:rPr lang="en-US" altLang="ko-KR" sz="1600" dirty="0"/>
+              <a:rPr lang="en-US" altLang="ko-KR" sz="1400" dirty="0"/>
             </a:br>
             <a:r>
-              <a:rPr lang="en-US" altLang="ko-KR" sz="1600" dirty="0"/>
+              <a:rPr lang="en-US" altLang="ko-KR" sz="1400" dirty="0"/>
               <a:t>- </a:t>
             </a:r>
             <a:r>
-              <a:rPr lang="en-US" altLang="ko-KR" sz="1600" dirty="0" err="1"/>
+              <a:rPr lang="en-US" altLang="ko-KR" sz="1400" dirty="0" err="1"/>
               <a:t>wb</a:t>
             </a:r>
             <a:r>
-              <a:rPr lang="en-US" altLang="ko-KR" sz="1600" dirty="0"/>
+              <a:rPr lang="en-US" altLang="ko-KR" sz="1400" dirty="0"/>
               <a:t>, </a:t>
             </a:r>
             <a:r>
-              <a:rPr lang="en-US" altLang="ko-KR" sz="1600" dirty="0" err="1"/>
+              <a:rPr lang="en-US" altLang="ko-KR" sz="1400" dirty="0" err="1"/>
               <a:t>ws</a:t>
             </a:r>
             <a:r>
-              <a:rPr lang="en-US" altLang="ko-KR" sz="1600" dirty="0"/>
+              <a:rPr lang="en-US" altLang="ko-KR" sz="1400" dirty="0"/>
               <a:t> : </a:t>
             </a:r>
             <a:r>
-              <a:rPr lang="en-US" altLang="ja-JP" sz="1600" dirty="0"/>
+              <a:rPr lang="en-US" altLang="ja-JP" sz="1400" dirty="0"/>
               <a:t>xlsx</a:t>
             </a:r>
             <a:r>
-              <a:rPr lang="ja-JP" altLang="en-US" sz="1600" dirty="0"/>
+              <a:rPr lang="ja-JP" altLang="en-US" sz="1400" dirty="0"/>
               <a:t>ファイルを読む変数</a:t>
             </a:r>
             <a:br>
-              <a:rPr lang="en-US" altLang="ko-KR" sz="1600" dirty="0"/>
+              <a:rPr lang="en-US" altLang="ko-KR" sz="1400" dirty="0"/>
             </a:br>
             <a:r>
-              <a:rPr lang="en-US" altLang="ko-KR" sz="1600" dirty="0"/>
+              <a:rPr lang="en-US" altLang="ko-KR" sz="1400" dirty="0"/>
               <a:t>- </a:t>
             </a:r>
             <a:r>
-              <a:rPr lang="en-US" altLang="ko-KR" sz="1600" dirty="0" err="1"/>
+              <a:rPr lang="en-US" altLang="ko-KR" sz="1400" dirty="0" err="1"/>
               <a:t>searchkabuka</a:t>
             </a:r>
             <a:r>
-              <a:rPr lang="en-US" altLang="ko-KR" sz="1600" dirty="0"/>
+              <a:rPr lang="en-US" altLang="ko-KR" sz="1400" dirty="0"/>
               <a:t> : </a:t>
             </a:r>
             <a:r>
-              <a:rPr lang="ja-JP" altLang="en-US" sz="1600" dirty="0"/>
+              <a:rPr lang="ja-JP" altLang="en-US" sz="1400" dirty="0"/>
               <a:t>株価を</a:t>
             </a:r>
             <a:r>
-              <a:rPr lang="en-US" altLang="ja-JP" sz="1600" dirty="0"/>
+              <a:rPr lang="en-US" altLang="ja-JP" sz="1400" dirty="0"/>
               <a:t>crawling</a:t>
             </a:r>
             <a:r>
-              <a:rPr lang="ja-JP" altLang="en-US" sz="1600" dirty="0"/>
+              <a:rPr lang="ja-JP" altLang="en-US" sz="1400" dirty="0"/>
               <a:t>する関数</a:t>
             </a:r>
             <a:br>
-              <a:rPr lang="en-US" altLang="ko-KR" sz="1600" dirty="0"/>
+              <a:rPr lang="en-US" altLang="ko-KR" sz="1400" dirty="0"/>
             </a:br>
             <a:r>
-              <a:rPr lang="en-US" altLang="ko-KR" sz="1600" dirty="0"/>
+              <a:rPr lang="en-US" altLang="ko-KR" sz="1400" dirty="0"/>
               <a:t>- draws : </a:t>
             </a:r>
             <a:r>
-              <a:rPr lang="ja-JP" altLang="en-US" sz="1600" dirty="0"/>
+              <a:rPr lang="ja-JP" altLang="en-US" sz="1400" dirty="0"/>
               <a:t>株価を</a:t>
             </a:r>
             <a:r>
-              <a:rPr lang="en-US" altLang="ja-JP" sz="1600" dirty="0"/>
+              <a:rPr lang="en-US" altLang="ja-JP" sz="1400" dirty="0"/>
               <a:t>graph</a:t>
             </a:r>
             <a:r>
-              <a:rPr lang="ja-JP" altLang="en-US" sz="1600" dirty="0"/>
+              <a:rPr lang="ja-JP" altLang="en-US" sz="1400" dirty="0"/>
               <a:t>に出力する</a:t>
             </a:r>
             <a:r>
-              <a:rPr lang="en-US" altLang="ja-JP" sz="1600" dirty="0"/>
+              <a:rPr lang="en-US" altLang="ja-JP" sz="1400" dirty="0"/>
               <a:t>class</a:t>
             </a:r>
-            <a:endParaRPr lang="en-US" altLang="ko-KR" sz="1600" dirty="0"/>
+            <a:endParaRPr lang="en-US" altLang="ko-KR" sz="1400" dirty="0"/>
           </a:p>
         </p:txBody>
       </p:sp>
@@ -10733,18 +13223,284 @@
               <a:t>コードの解説</a:t>
             </a:r>
             <a:br>
-              <a:rPr lang="ko-KR" altLang="en-US" dirty="0"/>
+              <a:rPr lang="en-US" altLang="ja-JP" dirty="0"/>
             </a:br>
+            <a:br>
+              <a:rPr lang="en-US" altLang="ja-JP" sz="600" dirty="0"/>
+            </a:br>
+            <a:r>
+              <a:rPr lang="en-US" altLang="ja-JP" dirty="0"/>
+              <a:t>2. main</a:t>
+            </a:r>
+            <a:r>
+              <a:rPr lang="ja-JP" altLang="en-US" dirty="0"/>
+              <a:t>関数</a:t>
+            </a:r>
             <a:endParaRPr lang="ko-KR" altLang="en-US" dirty="0"/>
+          </a:p>
+        </p:txBody>
+      </p:sp>
+      <p:sp>
+        <p:nvSpPr>
+          <p:cNvPr id="6" name="TextBox 5">
+            <a:extLst>
+              <a:ext uri="{FF2B5EF4-FFF2-40B4-BE49-F238E27FC236}">
+                <a16:creationId xmlns:a16="http://schemas.microsoft.com/office/drawing/2014/main" id="{FC59ADD7-053F-4796-9CDC-7839AE421AE2}"/>
+              </a:ext>
+            </a:extLst>
+          </p:cNvPr>
+          <p:cNvSpPr txBox="1"/>
+          <p:nvPr/>
+        </p:nvSpPr>
+        <p:spPr>
+          <a:xfrm>
+            <a:off x="6562000" y="1171906"/>
+            <a:ext cx="5767160" cy="3575722"/>
+          </a:xfrm>
+          <a:prstGeom prst="rect">
+            <a:avLst/>
+          </a:prstGeom>
+          <a:noFill/>
+        </p:spPr>
+        <p:txBody>
+          <a:bodyPr wrap="square" rtlCol="0">
+            <a:spAutoFit/>
+          </a:bodyPr>
+          <a:lstStyle/>
+          <a:p>
+            <a:pPr>
+              <a:lnSpc>
+                <a:spcPct val="130000"/>
+              </a:lnSpc>
+            </a:pPr>
+            <a:r>
+              <a:rPr lang="en-US" altLang="ja-JP" sz="1600" dirty="0"/>
+              <a:t>2. </a:t>
+            </a:r>
+            <a:r>
+              <a:rPr lang="ja-JP" altLang="en-US" dirty="0"/>
+              <a:t>コードの流れ</a:t>
+            </a:r>
+            <a:br>
+              <a:rPr lang="en-US" altLang="ja-JP" sz="1600" dirty="0"/>
+            </a:br>
+            <a:r>
+              <a:rPr lang="en-US" altLang="ja-JP" sz="1400" dirty="0"/>
+              <a:t>    1) Main</a:t>
+            </a:r>
+            <a:r>
+              <a:rPr lang="ja-JP" altLang="en-US" sz="1400" dirty="0"/>
+              <a:t>で初めて</a:t>
+            </a:r>
+            <a:r>
+              <a:rPr lang="en-US" altLang="ja-JP" sz="1400" dirty="0"/>
+              <a:t>log</a:t>
+            </a:r>
+            <a:r>
+              <a:rPr lang="ja-JP" altLang="en-US" sz="1400" dirty="0"/>
+              <a:t>に</a:t>
+            </a:r>
+            <a:r>
+              <a:rPr lang="en-US" altLang="ja-JP" sz="1400" dirty="0"/>
+              <a:t>program</a:t>
+            </a:r>
+            <a:r>
+              <a:rPr lang="ja-JP" altLang="en-US" sz="1400" dirty="0"/>
+              <a:t>の始まりを記録。</a:t>
+            </a:r>
+            <a:br>
+              <a:rPr lang="en-US" altLang="ja-JP" sz="1400" dirty="0"/>
+            </a:br>
+            <a:r>
+              <a:rPr lang="en-US" altLang="ja-JP" sz="1400" dirty="0"/>
+              <a:t>    2) </a:t>
+            </a:r>
+            <a:r>
+              <a:rPr lang="ja-JP" altLang="en-US" sz="1400" dirty="0"/>
+              <a:t>入力されたパラメーターを　</a:t>
+            </a:r>
+            <a:r>
+              <a:rPr lang="en-US" altLang="ja-JP" sz="1400" dirty="0" err="1"/>
+              <a:t>kabuname</a:t>
+            </a:r>
+            <a:r>
+              <a:rPr lang="ja-JP" altLang="en-US" sz="1400" dirty="0"/>
+              <a:t>　と　</a:t>
+            </a:r>
+            <a:r>
+              <a:rPr lang="en-US" altLang="ja-JP" sz="1400" dirty="0" err="1"/>
+              <a:t>inpudays</a:t>
+            </a:r>
+            <a:r>
+              <a:rPr lang="ja-JP" altLang="en-US" sz="1400" dirty="0"/>
+              <a:t>　</a:t>
+            </a:r>
+            <a:br>
+              <a:rPr lang="en-US" altLang="ja-JP" sz="1400" dirty="0"/>
+            </a:br>
+            <a:r>
+              <a:rPr lang="en-US" altLang="ja-JP" sz="1400" dirty="0"/>
+              <a:t>        </a:t>
+            </a:r>
+            <a:r>
+              <a:rPr lang="ja-JP" altLang="en-US" sz="1400" dirty="0"/>
+              <a:t>に入れる。</a:t>
+            </a:r>
+            <a:br>
+              <a:rPr lang="en-US" altLang="ja-JP" sz="1400" dirty="0"/>
+            </a:br>
+            <a:r>
+              <a:rPr lang="en-US" altLang="ja-JP" sz="1400" dirty="0"/>
+              <a:t>    3) Checking</a:t>
+            </a:r>
+            <a:r>
+              <a:rPr lang="ja-JP" altLang="en-US" sz="1400" dirty="0"/>
+              <a:t>関数に</a:t>
+            </a:r>
+            <a:r>
+              <a:rPr lang="en-US" altLang="ja-JP" sz="1400" dirty="0" err="1"/>
+              <a:t>kabuname</a:t>
+            </a:r>
+            <a:r>
+              <a:rPr lang="ja-JP" altLang="en-US" sz="1400" dirty="0"/>
+              <a:t>と</a:t>
+            </a:r>
+            <a:r>
+              <a:rPr lang="en-US" altLang="ja-JP" sz="1400" dirty="0" err="1"/>
+              <a:t>inpudays</a:t>
+            </a:r>
+            <a:r>
+              <a:rPr lang="ja-JP" altLang="en-US" sz="1400" dirty="0"/>
+              <a:t>を入れて検索。</a:t>
+            </a:r>
+            <a:br>
+              <a:rPr lang="en-US" altLang="ja-JP" sz="1400" dirty="0"/>
+            </a:br>
+            <a:r>
+              <a:rPr lang="en-US" altLang="ja-JP" sz="1400" dirty="0"/>
+              <a:t>    4) </a:t>
+            </a:r>
+            <a:r>
+              <a:rPr lang="en-US" altLang="ja-JP" sz="1400" dirty="0" err="1"/>
+              <a:t>Search_days</a:t>
+            </a:r>
+            <a:r>
+              <a:rPr lang="ja-JP" altLang="en-US" sz="1400" dirty="0"/>
+              <a:t>で休日を確認して平日に変換する。</a:t>
+            </a:r>
+            <a:br>
+              <a:rPr lang="en-US" altLang="ja-JP" sz="1400" dirty="0"/>
+            </a:br>
+            <a:r>
+              <a:rPr lang="en-US" altLang="ja-JP" sz="1400" dirty="0"/>
+              <a:t>    5) </a:t>
+            </a:r>
+            <a:r>
+              <a:rPr lang="en-US" altLang="ko-KR" sz="1400" dirty="0"/>
+              <a:t>Xlsx</a:t>
+            </a:r>
+            <a:r>
+              <a:rPr lang="ja-JP" altLang="en-US" sz="1400" dirty="0"/>
+              <a:t>ファイルを読んで会社のコードを確認して</a:t>
+            </a:r>
+            <a:r>
+              <a:rPr lang="en-US" altLang="ja-JP" sz="1400" dirty="0"/>
+              <a:t>crawling</a:t>
+            </a:r>
+            <a:r>
+              <a:rPr lang="ja-JP" altLang="en-US" sz="1400" dirty="0"/>
+              <a:t>関数の</a:t>
+            </a:r>
+            <a:br>
+              <a:rPr lang="en-US" altLang="ja-JP" sz="1400" dirty="0"/>
+            </a:br>
+            <a:r>
+              <a:rPr lang="en-US" altLang="ja-JP" sz="1400" dirty="0"/>
+              <a:t>        </a:t>
+            </a:r>
+            <a:r>
+              <a:rPr lang="en-US" altLang="ja-JP" sz="1400" dirty="0" err="1"/>
+              <a:t>searchkabuka</a:t>
+            </a:r>
+            <a:r>
+              <a:rPr lang="ja-JP" altLang="en-US" sz="1400" dirty="0"/>
+              <a:t>に会社の名前とコード、日付、ファイルネームを</a:t>
+            </a:r>
+            <a:br>
+              <a:rPr lang="en-US" altLang="ja-JP" sz="1400" dirty="0"/>
+            </a:br>
+            <a:r>
+              <a:rPr lang="en-US" altLang="ja-JP" sz="1400" dirty="0"/>
+              <a:t>        </a:t>
+            </a:r>
+            <a:r>
+              <a:rPr lang="ja-JP" altLang="en-US" sz="1400" dirty="0"/>
+              <a:t>入れる。</a:t>
+            </a:r>
+            <a:br>
+              <a:rPr lang="en-US" altLang="ja-JP" sz="1400" dirty="0"/>
+            </a:br>
+            <a:r>
+              <a:rPr lang="en-US" altLang="ja-JP" sz="1400" dirty="0"/>
+              <a:t>    6) Graph</a:t>
+            </a:r>
+            <a:r>
+              <a:rPr lang="ja-JP" altLang="en-US" sz="1400" dirty="0"/>
+              <a:t>を描く</a:t>
+            </a:r>
+            <a:r>
+              <a:rPr lang="en-US" altLang="ja-JP" sz="1400" dirty="0"/>
+              <a:t>class</a:t>
+            </a:r>
+            <a:r>
+              <a:rPr lang="ja-JP" altLang="en-US" sz="1400" dirty="0"/>
+              <a:t>を呼んで</a:t>
+            </a:r>
+            <a:r>
+              <a:rPr lang="en-US" altLang="ja-JP" sz="1400" dirty="0"/>
+              <a:t>graph</a:t>
+            </a:r>
+            <a:r>
+              <a:rPr lang="ja-JP" altLang="en-US" sz="1400" dirty="0"/>
+              <a:t>を描く</a:t>
+            </a:r>
+            <a:br>
+              <a:rPr lang="en-US" altLang="ja-JP" sz="1400" dirty="0"/>
+            </a:br>
+            <a:r>
+              <a:rPr lang="en-US" altLang="ja-JP" sz="1400" dirty="0"/>
+              <a:t>    7) Program</a:t>
+            </a:r>
+            <a:r>
+              <a:rPr lang="ja-JP" altLang="en-US" sz="1400" dirty="0"/>
+              <a:t>の終了を</a:t>
+            </a:r>
+            <a:r>
+              <a:rPr lang="en-US" altLang="ja-JP" sz="1400" dirty="0"/>
+              <a:t>log</a:t>
+            </a:r>
+            <a:r>
+              <a:rPr lang="ja-JP" altLang="en-US" sz="1400" dirty="0"/>
+              <a:t>に記録</a:t>
+            </a:r>
+            <a:endParaRPr lang="ko-KR" altLang="en-US" sz="1400" dirty="0"/>
+          </a:p>
+          <a:p>
+            <a:pPr>
+              <a:lnSpc>
+                <a:spcPct val="150000"/>
+              </a:lnSpc>
+            </a:pPr>
+            <a:endParaRPr lang="en-US" altLang="ja-JP" sz="1600" dirty="0"/>
           </a:p>
         </p:txBody>
       </p:sp>
       <p:pic>
         <p:nvPicPr>
-          <p:cNvPr id="5" name="내용 개체 틀 4">
+          <p:cNvPr id="8" name="내용 개체 틀 4">
             <a:extLst>
               <a:ext uri="{FF2B5EF4-FFF2-40B4-BE49-F238E27FC236}">
-                <a16:creationId xmlns:a16="http://schemas.microsoft.com/office/drawing/2014/main" id="{92131B0B-6CF0-430B-A642-FD076EC58D29}"/>
+                <a16:creationId xmlns:a16="http://schemas.microsoft.com/office/drawing/2014/main" id="{CEDD5904-C4CB-4315-9855-B8FC124EC588}"/>
               </a:ext>
             </a:extLst>
           </p:cNvPr>
@@ -10763,248 +13519,11 @@
         </p:blipFill>
         <p:spPr>
           <a:xfrm>
-            <a:off x="2609335" y="718177"/>
-            <a:ext cx="8326396" cy="2704756"/>
+            <a:off x="2589212" y="1171906"/>
+            <a:ext cx="4056608" cy="5457494"/>
           </a:xfrm>
         </p:spPr>
       </p:pic>
-      <p:sp>
-        <p:nvSpPr>
-          <p:cNvPr id="6" name="TextBox 5">
-            <a:extLst>
-              <a:ext uri="{FF2B5EF4-FFF2-40B4-BE49-F238E27FC236}">
-                <a16:creationId xmlns:a16="http://schemas.microsoft.com/office/drawing/2014/main" id="{FC59ADD7-053F-4796-9CDC-7839AE421AE2}"/>
-              </a:ext>
-            </a:extLst>
-          </p:cNvPr>
-          <p:cNvSpPr txBox="1"/>
-          <p:nvPr/>
-        </p:nvSpPr>
-        <p:spPr>
-          <a:xfrm>
-            <a:off x="2589212" y="3422933"/>
-            <a:ext cx="8346519" cy="3074047"/>
-          </a:xfrm>
-          <a:prstGeom prst="rect">
-            <a:avLst/>
-          </a:prstGeom>
-          <a:noFill/>
-        </p:spPr>
-        <p:txBody>
-          <a:bodyPr wrap="square" rtlCol="0">
-            <a:spAutoFit/>
-          </a:bodyPr>
-          <a:lstStyle/>
-          <a:p>
-            <a:pPr>
-              <a:lnSpc>
-                <a:spcPct val="120000"/>
-              </a:lnSpc>
-            </a:pPr>
-            <a:r>
-              <a:rPr lang="en-US" altLang="ja-JP" sz="1600" dirty="0"/>
-              <a:t>2. </a:t>
-            </a:r>
-            <a:r>
-              <a:rPr lang="ja-JP" altLang="en-US" sz="1600" dirty="0"/>
-              <a:t>コードの流れ</a:t>
-            </a:r>
-            <a:br>
-              <a:rPr lang="en-US" altLang="ja-JP" sz="1600" dirty="0"/>
-            </a:br>
-            <a:r>
-              <a:rPr lang="en-US" altLang="ja-JP" sz="1600" dirty="0"/>
-              <a:t>    1) Main</a:t>
-            </a:r>
-            <a:r>
-              <a:rPr lang="ja-JP" altLang="en-US" sz="1600" dirty="0"/>
-              <a:t>で初めて</a:t>
-            </a:r>
-            <a:r>
-              <a:rPr lang="en-US" altLang="ja-JP" sz="1600" dirty="0"/>
-              <a:t>log</a:t>
-            </a:r>
-            <a:r>
-              <a:rPr lang="ja-JP" altLang="en-US" sz="1600" dirty="0"/>
-              <a:t>に</a:t>
-            </a:r>
-            <a:r>
-              <a:rPr lang="en-US" altLang="ja-JP" sz="1600" dirty="0"/>
-              <a:t>program</a:t>
-            </a:r>
-            <a:r>
-              <a:rPr lang="ja-JP" altLang="en-US" sz="1600" dirty="0"/>
-              <a:t>の始まりを記録。</a:t>
-            </a:r>
-            <a:br>
-              <a:rPr lang="en-US" altLang="ja-JP" sz="1600" dirty="0"/>
-            </a:br>
-            <a:r>
-              <a:rPr lang="en-US" altLang="ja-JP" sz="1600" dirty="0"/>
-              <a:t>    2) </a:t>
-            </a:r>
-            <a:r>
-              <a:rPr lang="ja-JP" altLang="en-US" sz="1600" dirty="0"/>
-              <a:t>入力されたパラメーターを　</a:t>
-            </a:r>
-            <a:r>
-              <a:rPr lang="en-US" altLang="ja-JP" sz="1600" dirty="0" err="1"/>
-              <a:t>kabuname</a:t>
-            </a:r>
-            <a:r>
-              <a:rPr lang="ja-JP" altLang="en-US" sz="1600" dirty="0"/>
-              <a:t>　と　</a:t>
-            </a:r>
-            <a:r>
-              <a:rPr lang="en-US" altLang="ja-JP" sz="1600" dirty="0" err="1"/>
-              <a:t>inpudays</a:t>
-            </a:r>
-            <a:r>
-              <a:rPr lang="ja-JP" altLang="en-US" sz="1600" dirty="0"/>
-              <a:t>　に入れる。</a:t>
-            </a:r>
-            <a:br>
-              <a:rPr lang="en-US" altLang="ja-JP" sz="1600" dirty="0"/>
-            </a:br>
-            <a:r>
-              <a:rPr lang="en-US" altLang="ja-JP" sz="1600" dirty="0"/>
-              <a:t>    3) Checking</a:t>
-            </a:r>
-            <a:r>
-              <a:rPr lang="ja-JP" altLang="en-US" sz="1600" dirty="0"/>
-              <a:t>関数に</a:t>
-            </a:r>
-            <a:r>
-              <a:rPr lang="en-US" altLang="ja-JP" sz="1600" dirty="0" err="1"/>
-              <a:t>kabuname</a:t>
-            </a:r>
-            <a:r>
-              <a:rPr lang="ja-JP" altLang="en-US" sz="1600" dirty="0"/>
-              <a:t>と</a:t>
-            </a:r>
-            <a:r>
-              <a:rPr lang="en-US" altLang="ja-JP" sz="1600" dirty="0" err="1"/>
-              <a:t>inpudays</a:t>
-            </a:r>
-            <a:r>
-              <a:rPr lang="ja-JP" altLang="en-US" sz="1600" dirty="0"/>
-              <a:t>を入れて検索。</a:t>
-            </a:r>
-            <a:br>
-              <a:rPr lang="en-US" altLang="ja-JP" sz="1600" dirty="0"/>
-            </a:br>
-            <a:r>
-              <a:rPr lang="en-US" altLang="ja-JP" sz="1600" dirty="0"/>
-              <a:t>    4) </a:t>
-            </a:r>
-            <a:r>
-              <a:rPr lang="en-US" altLang="ja-JP" sz="1600" dirty="0" err="1"/>
-              <a:t>Search_days</a:t>
-            </a:r>
-            <a:r>
-              <a:rPr lang="ja-JP" altLang="en-US" sz="1600" dirty="0"/>
-              <a:t>で休日を確認して平日に変換する。</a:t>
-            </a:r>
-            <a:br>
-              <a:rPr lang="en-US" altLang="ja-JP" sz="1600" dirty="0"/>
-            </a:br>
-            <a:r>
-              <a:rPr lang="en-US" altLang="ja-JP" sz="1600" dirty="0"/>
-              <a:t>    5) </a:t>
-            </a:r>
-            <a:r>
-              <a:rPr lang="en-US" altLang="ko-KR" sz="1600" dirty="0"/>
-              <a:t>Xlsx</a:t>
-            </a:r>
-            <a:r>
-              <a:rPr lang="ja-JP" altLang="en-US" sz="1600" dirty="0"/>
-              <a:t>ファイルを読んで会社のコードを確認して</a:t>
-            </a:r>
-            <a:r>
-              <a:rPr lang="en-US" altLang="ja-JP" sz="1600" dirty="0"/>
-              <a:t>crawling</a:t>
-            </a:r>
-            <a:r>
-              <a:rPr lang="ja-JP" altLang="en-US" sz="1600" dirty="0"/>
-              <a:t>関数の</a:t>
-            </a:r>
-            <a:r>
-              <a:rPr lang="en-US" altLang="ja-JP" sz="1600" dirty="0" err="1"/>
-              <a:t>searchkabuka</a:t>
-            </a:r>
-            <a:r>
-              <a:rPr lang="ja-JP" altLang="en-US" sz="1600" dirty="0"/>
-              <a:t>に</a:t>
-            </a:r>
-            <a:br>
-              <a:rPr lang="en-US" altLang="ja-JP" sz="1600" dirty="0"/>
-            </a:br>
-            <a:r>
-              <a:rPr lang="en-US" altLang="ja-JP" sz="1600" dirty="0"/>
-              <a:t>        </a:t>
-            </a:r>
-            <a:r>
-              <a:rPr lang="ja-JP" altLang="en-US" sz="1600" dirty="0"/>
-              <a:t>会社の名前とコード、日付、ファイルネームを入れる。</a:t>
-            </a:r>
-            <a:br>
-              <a:rPr lang="en-US" altLang="ja-JP" sz="1600" dirty="0"/>
-            </a:br>
-            <a:r>
-              <a:rPr lang="en-US" altLang="ja-JP" sz="1600" dirty="0"/>
-              <a:t>    6) Graph</a:t>
-            </a:r>
-            <a:r>
-              <a:rPr lang="ja-JP" altLang="en-US" sz="1600" dirty="0"/>
-              <a:t>を描く</a:t>
-            </a:r>
-            <a:r>
-              <a:rPr lang="en-US" altLang="ja-JP" sz="1600" dirty="0"/>
-              <a:t>class</a:t>
-            </a:r>
-            <a:r>
-              <a:rPr lang="ja-JP" altLang="en-US" sz="1600" dirty="0"/>
-              <a:t>を呼んで</a:t>
-            </a:r>
-            <a:r>
-              <a:rPr lang="en-US" altLang="ja-JP" sz="1600" dirty="0"/>
-              <a:t>graph</a:t>
-            </a:r>
-            <a:r>
-              <a:rPr lang="ja-JP" altLang="en-US" sz="1600" dirty="0"/>
-              <a:t>を描く</a:t>
-            </a:r>
-            <a:br>
-              <a:rPr lang="en-US" altLang="ja-JP" sz="1600" dirty="0"/>
-            </a:br>
-            <a:r>
-              <a:rPr lang="en-US" altLang="ja-JP" sz="1600" dirty="0"/>
-              <a:t>    7) Program</a:t>
-            </a:r>
-            <a:r>
-              <a:rPr lang="ja-JP" altLang="en-US" sz="1600" dirty="0"/>
-              <a:t>の終了を</a:t>
-            </a:r>
-            <a:r>
-              <a:rPr lang="en-US" altLang="ja-JP" sz="1600" dirty="0"/>
-              <a:t>log</a:t>
-            </a:r>
-            <a:r>
-              <a:rPr lang="ja-JP" altLang="en-US" sz="1600" dirty="0"/>
-              <a:t>に記録</a:t>
-            </a:r>
-            <a:endParaRPr lang="ko-KR" altLang="en-US" sz="1600" dirty="0"/>
-          </a:p>
-          <a:p>
-            <a:pPr>
-              <a:lnSpc>
-                <a:spcPct val="150000"/>
-              </a:lnSpc>
-            </a:pPr>
-            <a:endParaRPr lang="en-US" altLang="ja-JP" sz="1600" dirty="0"/>
-          </a:p>
-        </p:txBody>
-      </p:sp>
     </p:spTree>
     <p:extLst>
       <p:ext uri="{BB962C8B-B14F-4D97-AF65-F5344CB8AC3E}">

--- a/crawlingコード解説.pptx
+++ b/crawlingコード解説.pptx
@@ -234,7 +234,7 @@
               <a:rPr lang="ko-KR" altLang="en-US" smtClean="0">
                 <a:latin typeface="+mj-lt"/>
               </a:rPr>
-              <a:t>2022-03-08</a:t>
+              <a:t>2022-03-10</a:t>
             </a:fld>
             <a:endParaRPr lang="ko-KR" altLang="en-US">
               <a:latin typeface="+mj-lt"/>
@@ -427,7 +427,7 @@
             <a:fld id="{DBD45B77-1E54-4BDE-8546-93F23ED6C41D}" type="datetime1">
               <a:rPr lang="ko-KR" altLang="en-US" smtClean="0"/>
               <a:pPr/>
-              <a:t>2022-03-08</a:t>
+              <a:t>2022-03-10</a:t>
             </a:fld>
             <a:endParaRPr lang="ko-KR" altLang="en-US" dirty="0">
               <a:latin typeface="+mj-lt"/>
@@ -992,7 +992,7 @@
             <a:fld id="{B61BEF0D-F0BB-DE4B-95CE-6DB70DBA9567}" type="datetimeFigureOut">
               <a:rPr lang="en-US" altLang="ko-KR" noProof="0" smtClean="0"/>
               <a:pPr rtl="0"/>
-              <a:t>3/8/2022</a:t>
+              <a:t>3/10/2022</a:t>
             </a:fld>
             <a:endParaRPr lang="ko-KR" altLang="en-US" noProof="0"/>
           </a:p>
@@ -1334,7 +1334,7 @@
             <a:fld id="{B61BEF0D-F0BB-DE4B-95CE-6DB70DBA9567}" type="datetimeFigureOut">
               <a:rPr lang="en-US" altLang="ko-KR" noProof="0" smtClean="0"/>
               <a:pPr rtl="0"/>
-              <a:t>3/8/2022</a:t>
+              <a:t>3/10/2022</a:t>
             </a:fld>
             <a:endParaRPr lang="ko-KR" altLang="en-US" noProof="0"/>
           </a:p>
@@ -1756,7 +1756,7 @@
             <a:fld id="{B61BEF0D-F0BB-DE4B-95CE-6DB70DBA9567}" type="datetimeFigureOut">
               <a:rPr lang="en-US" altLang="ko-KR" smtClean="0"/>
               <a:pPr/>
-              <a:t>3/8/2022</a:t>
+              <a:t>3/10/2022</a:t>
             </a:fld>
             <a:endParaRPr lang="ko-KR" altLang="en-US"/>
           </a:p>
@@ -2110,7 +2110,7 @@
             <a:fld id="{B61BEF0D-F0BB-DE4B-95CE-6DB70DBA9567}" type="datetimeFigureOut">
               <a:rPr lang="en-US" altLang="ko-KR" noProof="0" smtClean="0"/>
               <a:pPr rtl="0"/>
-              <a:t>3/8/2022</a:t>
+              <a:t>3/10/2022</a:t>
             </a:fld>
             <a:endParaRPr lang="ko-KR" altLang="en-US" noProof="0"/>
           </a:p>
@@ -2451,7 +2451,7 @@
             <a:fld id="{B61BEF0D-F0BB-DE4B-95CE-6DB70DBA9567}" type="datetimeFigureOut">
               <a:rPr lang="en-US" altLang="ko-KR" smtClean="0"/>
               <a:pPr/>
-              <a:t>3/8/2022</a:t>
+              <a:t>3/10/2022</a:t>
             </a:fld>
             <a:endParaRPr lang="ko-KR" altLang="en-US"/>
           </a:p>
@@ -2869,7 +2869,7 @@
             <a:fld id="{B61BEF0D-F0BB-DE4B-95CE-6DB70DBA9567}" type="datetimeFigureOut">
               <a:rPr lang="en-US" altLang="ko-KR" noProof="0" smtClean="0"/>
               <a:pPr rtl="0"/>
-              <a:t>3/8/2022</a:t>
+              <a:t>3/10/2022</a:t>
             </a:fld>
             <a:endParaRPr lang="ko-KR" altLang="en-US" noProof="0"/>
           </a:p>
@@ -3129,7 +3129,7 @@
             <a:fld id="{B61BEF0D-F0BB-DE4B-95CE-6DB70DBA9567}" type="datetimeFigureOut">
               <a:rPr lang="en-US" altLang="ko-KR" noProof="0" smtClean="0"/>
               <a:pPr rtl="0"/>
-              <a:t>3/8/2022</a:t>
+              <a:t>3/10/2022</a:t>
             </a:fld>
             <a:endParaRPr lang="ko-KR" altLang="en-US" noProof="0"/>
           </a:p>
@@ -3394,7 +3394,7 @@
             <a:fld id="{B61BEF0D-F0BB-DE4B-95CE-6DB70DBA9567}" type="datetimeFigureOut">
               <a:rPr lang="en-US" altLang="ko-KR" noProof="0" smtClean="0"/>
               <a:pPr rtl="0"/>
-              <a:t>3/8/2022</a:t>
+              <a:t>3/10/2022</a:t>
             </a:fld>
             <a:endParaRPr lang="ko-KR" altLang="en-US" noProof="0"/>
           </a:p>
@@ -3659,7 +3659,7 @@
             <a:fld id="{B61BEF0D-F0BB-DE4B-95CE-6DB70DBA9567}" type="datetimeFigureOut">
               <a:rPr lang="en-US" altLang="ko-KR" noProof="0" smtClean="0"/>
               <a:pPr rtl="0"/>
-              <a:t>3/8/2022</a:t>
+              <a:t>3/10/2022</a:t>
             </a:fld>
             <a:endParaRPr lang="ko-KR" altLang="en-US" noProof="0"/>
           </a:p>
@@ -3992,7 +3992,7 @@
             <a:fld id="{B61BEF0D-F0BB-DE4B-95CE-6DB70DBA9567}" type="datetimeFigureOut">
               <a:rPr lang="en-US" altLang="ko-KR" noProof="0" smtClean="0"/>
               <a:pPr rtl="0"/>
-              <a:t>3/8/2022</a:t>
+              <a:t>3/10/2022</a:t>
             </a:fld>
             <a:endParaRPr lang="ko-KR" altLang="en-US" noProof="0"/>
           </a:p>
@@ -4321,7 +4321,7 @@
             <a:fld id="{B61BEF0D-F0BB-DE4B-95CE-6DB70DBA9567}" type="datetimeFigureOut">
               <a:rPr lang="en-US" altLang="ko-KR" noProof="0" smtClean="0"/>
               <a:pPr rtl="0"/>
-              <a:t>3/8/2022</a:t>
+              <a:t>3/10/2022</a:t>
             </a:fld>
             <a:endParaRPr lang="ko-KR" altLang="en-US" noProof="0"/>
           </a:p>
@@ -4792,7 +4792,7 @@
             <a:fld id="{B61BEF0D-F0BB-DE4B-95CE-6DB70DBA9567}" type="datetimeFigureOut">
               <a:rPr lang="en-US" altLang="ko-KR" noProof="0" smtClean="0"/>
               <a:pPr rtl="0"/>
-              <a:t>3/8/2022</a:t>
+              <a:t>3/10/2022</a:t>
             </a:fld>
             <a:endParaRPr lang="ko-KR" altLang="en-US" noProof="0"/>
           </a:p>
@@ -4997,7 +4997,7 @@
             <a:fld id="{B61BEF0D-F0BB-DE4B-95CE-6DB70DBA9567}" type="datetimeFigureOut">
               <a:rPr lang="en-US" altLang="ko-KR" noProof="0" smtClean="0"/>
               <a:pPr rtl="0"/>
-              <a:t>3/8/2022</a:t>
+              <a:t>3/10/2022</a:t>
             </a:fld>
             <a:endParaRPr lang="ko-KR" altLang="en-US" noProof="0"/>
           </a:p>
@@ -5174,7 +5174,7 @@
             <a:fld id="{B61BEF0D-F0BB-DE4B-95CE-6DB70DBA9567}" type="datetimeFigureOut">
               <a:rPr lang="en-US" altLang="ko-KR" noProof="0" smtClean="0"/>
               <a:pPr rtl="0"/>
-              <a:t>3/8/2022</a:t>
+              <a:t>3/10/2022</a:t>
             </a:fld>
             <a:endParaRPr lang="ko-KR" altLang="en-US" noProof="0"/>
           </a:p>
@@ -5514,7 +5514,7 @@
             <a:fld id="{B61BEF0D-F0BB-DE4B-95CE-6DB70DBA9567}" type="datetimeFigureOut">
               <a:rPr lang="en-US" altLang="ko-KR" noProof="0" smtClean="0"/>
               <a:pPr rtl="0"/>
-              <a:t>3/8/2022</a:t>
+              <a:t>3/10/2022</a:t>
             </a:fld>
             <a:endParaRPr lang="ko-KR" altLang="en-US" noProof="0"/>
           </a:p>
@@ -5868,7 +5868,7 @@
             <a:fld id="{B61BEF0D-F0BB-DE4B-95CE-6DB70DBA9567}" type="datetimeFigureOut">
               <a:rPr lang="en-US" altLang="ko-KR" noProof="0" smtClean="0"/>
               <a:pPr rtl="0"/>
-              <a:t>3/8/2022</a:t>
+              <a:t>3/10/2022</a:t>
             </a:fld>
             <a:endParaRPr lang="ko-KR" altLang="en-US" noProof="0"/>
           </a:p>
@@ -7989,7 +7989,7 @@
             <a:fld id="{B61BEF0D-F0BB-DE4B-95CE-6DB70DBA9567}" type="datetimeFigureOut">
               <a:rPr lang="en-US" altLang="ko-KR" smtClean="0"/>
               <a:pPr/>
-              <a:t>3/8/2022</a:t>
+              <a:t>3/10/2022</a:t>
             </a:fld>
             <a:endParaRPr lang="ko-KR" altLang="en-US">
               <a:latin typeface="맑은 고딕" panose="020B0503020000020004" pitchFamily="50" charset="-127"/>
@@ -8865,15 +8865,15 @@
             </a:r>
             <a:r>
               <a:rPr lang="ja-JP" altLang="en-US" sz="1400" dirty="0"/>
-              <a:t>を検査して文字列に特殊文字が含まれていたら</a:t>
-            </a:r>
-            <a:r>
-              <a:rPr lang="en-US" altLang="ja-JP" sz="1400" dirty="0"/>
-              <a:t>True</a:t>
-            </a:r>
-            <a:r>
-              <a:rPr lang="ja-JP" altLang="en-US" sz="1400" dirty="0"/>
-              <a:t>を返還して</a:t>
+              <a:t>の中に特殊文字が含まれているかを検査して</a:t>
+            </a:r>
+            <a:r>
+              <a:rPr lang="en-US" altLang="ja-JP" sz="1400" dirty="0" err="1"/>
+              <a:t>boolean</a:t>
+            </a:r>
+            <a:r>
+              <a:rPr lang="ja-JP" altLang="en-US" sz="1400" dirty="0"/>
+              <a:t>で返還し</a:t>
             </a:r>
             <a:r>
               <a:rPr lang="en-US" altLang="ja-JP" sz="1400" dirty="0"/>
@@ -12930,7 +12930,7 @@
         <p:spPr>
           <a:xfrm>
             <a:off x="6645821" y="1171906"/>
-            <a:ext cx="5546179" cy="2956963"/>
+            <a:ext cx="5546179" cy="3222998"/>
           </a:xfrm>
           <a:prstGeom prst="rect">
             <a:avLst/>
@@ -13156,6 +13156,14 @@
               <a:rPr lang="en-US" altLang="ja-JP" sz="1400" dirty="0"/>
               <a:t>class</a:t>
             </a:r>
+          </a:p>
+          <a:p>
+            <a:pPr marL="342900" indent="-342900">
+              <a:lnSpc>
+                <a:spcPct val="130000"/>
+              </a:lnSpc>
+              <a:buAutoNum type="arabicPeriod"/>
+            </a:pPr>
             <a:endParaRPr lang="en-US" altLang="ko-KR" sz="1400" dirty="0"/>
           </a:p>
         </p:txBody>
@@ -13254,8 +13262,8 @@
         </p:nvSpPr>
         <p:spPr>
           <a:xfrm>
-            <a:off x="6562000" y="1171906"/>
-            <a:ext cx="5767160" cy="3575722"/>
+            <a:off x="6561999" y="1171906"/>
+            <a:ext cx="5794123" cy="3295646"/>
           </a:xfrm>
           <a:prstGeom prst="rect">
             <a:avLst/>
@@ -13371,7 +13379,7 @@
             </a:r>
             <a:r>
               <a:rPr lang="ja-JP" altLang="en-US" sz="1400" dirty="0"/>
-              <a:t>を入れて検索。</a:t>
+              <a:t>を入れて正規検査。</a:t>
             </a:r>
             <a:br>
               <a:rPr lang="en-US" altLang="ja-JP" sz="1400" dirty="0"/>
@@ -13382,11 +13390,19 @@
             </a:r>
             <a:r>
               <a:rPr lang="en-US" altLang="ja-JP" sz="1400" dirty="0" err="1"/>
-              <a:t>Search_days</a:t>
-            </a:r>
-            <a:r>
-              <a:rPr lang="ja-JP" altLang="en-US" sz="1400" dirty="0"/>
-              <a:t>で休日を確認して平日に変換する。</a:t>
+              <a:t>FindDays</a:t>
+            </a:r>
+            <a:r>
+              <a:rPr lang="ja-JP" altLang="en-US" sz="1400" dirty="0"/>
+              <a:t>で休日を確認し平日に変換して</a:t>
+            </a:r>
+            <a:r>
+              <a:rPr lang="en-US" altLang="ja-JP" sz="1400" dirty="0" err="1"/>
+              <a:t>search_date</a:t>
+            </a:r>
+            <a:r>
+              <a:rPr lang="ja-JP" altLang="en-US" sz="1400" dirty="0"/>
+              <a:t>に入れる。</a:t>
             </a:r>
             <a:br>
               <a:rPr lang="en-US" altLang="ja-JP" sz="1400" dirty="0"/>
@@ -13401,7 +13417,7 @@
             </a:r>
             <a:r>
               <a:rPr lang="ja-JP" altLang="en-US" sz="1400" dirty="0"/>
-              <a:t>ファイルを読んで会社のコードを確認して</a:t>
+              <a:t>ファイルを読んで会社のコードを確認、</a:t>
             </a:r>
             <a:r>
               <a:rPr lang="en-US" altLang="ja-JP" sz="1400" dirty="0"/>
@@ -13409,33 +13425,14 @@
             </a:r>
             <a:r>
               <a:rPr lang="ja-JP" altLang="en-US" sz="1400" dirty="0"/>
-              <a:t>関数の</a:t>
+              <a:t>関数に</a:t>
             </a:r>
             <a:br>
               <a:rPr lang="en-US" altLang="ja-JP" sz="1400" dirty="0"/>
             </a:br>
             <a:r>
-              <a:rPr lang="en-US" altLang="ja-JP" sz="1400" dirty="0"/>
-              <a:t>        </a:t>
-            </a:r>
-            <a:r>
-              <a:rPr lang="en-US" altLang="ja-JP" sz="1400" dirty="0" err="1"/>
-              <a:t>searchkabuka</a:t>
-            </a:r>
-            <a:r>
-              <a:rPr lang="ja-JP" altLang="en-US" sz="1400" dirty="0"/>
-              <a:t>に会社の名前とコード、日付、ファイルネームを</a:t>
-            </a:r>
-            <a:br>
-              <a:rPr lang="en-US" altLang="ja-JP" sz="1400" dirty="0"/>
-            </a:br>
-            <a:r>
-              <a:rPr lang="en-US" altLang="ja-JP" sz="1400" dirty="0"/>
-              <a:t>        </a:t>
-            </a:r>
-            <a:r>
-              <a:rPr lang="ja-JP" altLang="en-US" sz="1400" dirty="0"/>
-              <a:t>入れる。</a:t>
+              <a:rPr lang="ja-JP" altLang="en-US" sz="1400" dirty="0"/>
+              <a:t>　　 会社の名前とコード、日付、ファイルネームを入れる。</a:t>
             </a:r>
             <a:br>
               <a:rPr lang="en-US" altLang="ja-JP" sz="1400" dirty="0"/>
